--- a/project_sample.pptx
+++ b/project_sample.pptx
@@ -276,7 +276,7 @@
           <a:p>
             <a:fld id="{F8752E61-11A2-4F16-805D-E395FFE7AD67}" type="datetimeFigureOut">
               <a:rPr lang="zh-CN" altLang="en-US" smtClean="0"/>
-              <a:t>2021/11/5</a:t>
+              <a:t>2021/11/6</a:t>
             </a:fld>
             <a:endParaRPr lang="zh-CN" altLang="en-US"/>
           </a:p>
@@ -474,7 +474,7 @@
           <a:p>
             <a:fld id="{F8752E61-11A2-4F16-805D-E395FFE7AD67}" type="datetimeFigureOut">
               <a:rPr lang="zh-CN" altLang="en-US" smtClean="0"/>
-              <a:t>2021/11/5</a:t>
+              <a:t>2021/11/6</a:t>
             </a:fld>
             <a:endParaRPr lang="zh-CN" altLang="en-US"/>
           </a:p>
@@ -682,7 +682,7 @@
           <a:p>
             <a:fld id="{F8752E61-11A2-4F16-805D-E395FFE7AD67}" type="datetimeFigureOut">
               <a:rPr lang="zh-CN" altLang="en-US" smtClean="0"/>
-              <a:t>2021/11/5</a:t>
+              <a:t>2021/11/6</a:t>
             </a:fld>
             <a:endParaRPr lang="zh-CN" altLang="en-US"/>
           </a:p>
@@ -880,7 +880,7 @@
           <a:p>
             <a:fld id="{F8752E61-11A2-4F16-805D-E395FFE7AD67}" type="datetimeFigureOut">
               <a:rPr lang="zh-CN" altLang="en-US" smtClean="0"/>
-              <a:t>2021/11/5</a:t>
+              <a:t>2021/11/6</a:t>
             </a:fld>
             <a:endParaRPr lang="zh-CN" altLang="en-US"/>
           </a:p>
@@ -1155,7 +1155,7 @@
           <a:p>
             <a:fld id="{F8752E61-11A2-4F16-805D-E395FFE7AD67}" type="datetimeFigureOut">
               <a:rPr lang="zh-CN" altLang="en-US" smtClean="0"/>
-              <a:t>2021/11/5</a:t>
+              <a:t>2021/11/6</a:t>
             </a:fld>
             <a:endParaRPr lang="zh-CN" altLang="en-US"/>
           </a:p>
@@ -1420,7 +1420,7 @@
           <a:p>
             <a:fld id="{F8752E61-11A2-4F16-805D-E395FFE7AD67}" type="datetimeFigureOut">
               <a:rPr lang="zh-CN" altLang="en-US" smtClean="0"/>
-              <a:t>2021/11/5</a:t>
+              <a:t>2021/11/6</a:t>
             </a:fld>
             <a:endParaRPr lang="zh-CN" altLang="en-US"/>
           </a:p>
@@ -1832,7 +1832,7 @@
           <a:p>
             <a:fld id="{F8752E61-11A2-4F16-805D-E395FFE7AD67}" type="datetimeFigureOut">
               <a:rPr lang="zh-CN" altLang="en-US" smtClean="0"/>
-              <a:t>2021/11/5</a:t>
+              <a:t>2021/11/6</a:t>
             </a:fld>
             <a:endParaRPr lang="zh-CN" altLang="en-US"/>
           </a:p>
@@ -1973,7 +1973,7 @@
           <a:p>
             <a:fld id="{F8752E61-11A2-4F16-805D-E395FFE7AD67}" type="datetimeFigureOut">
               <a:rPr lang="zh-CN" altLang="en-US" smtClean="0"/>
-              <a:t>2021/11/5</a:t>
+              <a:t>2021/11/6</a:t>
             </a:fld>
             <a:endParaRPr lang="zh-CN" altLang="en-US"/>
           </a:p>
@@ -2086,7 +2086,7 @@
           <a:p>
             <a:fld id="{F8752E61-11A2-4F16-805D-E395FFE7AD67}" type="datetimeFigureOut">
               <a:rPr lang="zh-CN" altLang="en-US" smtClean="0"/>
-              <a:t>2021/11/5</a:t>
+              <a:t>2021/11/6</a:t>
             </a:fld>
             <a:endParaRPr lang="zh-CN" altLang="en-US"/>
           </a:p>
@@ -2397,7 +2397,7 @@
           <a:p>
             <a:fld id="{F8752E61-11A2-4F16-805D-E395FFE7AD67}" type="datetimeFigureOut">
               <a:rPr lang="zh-CN" altLang="en-US" smtClean="0"/>
-              <a:t>2021/11/5</a:t>
+              <a:t>2021/11/6</a:t>
             </a:fld>
             <a:endParaRPr lang="zh-CN" altLang="en-US"/>
           </a:p>
@@ -2685,7 +2685,7 @@
           <a:p>
             <a:fld id="{F8752E61-11A2-4F16-805D-E395FFE7AD67}" type="datetimeFigureOut">
               <a:rPr lang="zh-CN" altLang="en-US" smtClean="0"/>
-              <a:t>2021/11/5</a:t>
+              <a:t>2021/11/6</a:t>
             </a:fld>
             <a:endParaRPr lang="zh-CN" altLang="en-US"/>
           </a:p>
@@ -2926,7 +2926,7 @@
           <a:p>
             <a:fld id="{F8752E61-11A2-4F16-805D-E395FFE7AD67}" type="datetimeFigureOut">
               <a:rPr lang="zh-CN" altLang="en-US" smtClean="0"/>
-              <a:t>2021/11/5</a:t>
+              <a:t>2021/11/6</a:t>
             </a:fld>
             <a:endParaRPr lang="zh-CN" altLang="en-US"/>
           </a:p>
@@ -10943,7 +10943,7 @@
           <p:nvPr>
             <p:extLst>
               <p:ext uri="{D42A27DB-BD31-4B8C-83A1-F6EECF244321}">
-                <p14:modId xmlns:p14="http://schemas.microsoft.com/office/powerpoint/2010/main" val="110957315"/>
+                <p14:modId xmlns:p14="http://schemas.microsoft.com/office/powerpoint/2010/main" val="902948010"/>
               </p:ext>
             </p:extLst>
           </p:nvPr>
@@ -10990,7 +10990,7 @@
                       <a:pPr algn="ctr"/>
                       <a:r>
                         <a:rPr lang="en-US" altLang="zh-CN" dirty="0"/>
-                        <a:t>Job0  calcspeed=2  block number=3</a:t>
+                        <a:t>Job0  calcspeed=10  block number=3</a:t>
                       </a:r>
                       <a:endParaRPr lang="zh-CN" altLang="en-US" dirty="0"/>
                     </a:p>
@@ -11250,7 +11250,7 @@
           <p:nvPr>
             <p:extLst>
               <p:ext uri="{D42A27DB-BD31-4B8C-83A1-F6EECF244321}">
-                <p14:modId xmlns:p14="http://schemas.microsoft.com/office/powerpoint/2010/main" val="1434631043"/>
+                <p14:modId xmlns:p14="http://schemas.microsoft.com/office/powerpoint/2010/main" val="1756114415"/>
               </p:ext>
             </p:extLst>
           </p:nvPr>
@@ -11297,7 +11297,7 @@
                       <a:pPr algn="ctr"/>
                       <a:r>
                         <a:rPr lang="en-US" altLang="zh-CN" dirty="0"/>
-                        <a:t>Job1  calcspeed=3  block number=3</a:t>
+                        <a:t>Job1  calcspeed=15  block number=3</a:t>
                       </a:r>
                       <a:endParaRPr lang="zh-CN" altLang="en-US" dirty="0"/>
                     </a:p>
@@ -11618,7 +11618,7 @@
         </p:spPr>
         <p:txBody>
           <a:bodyPr vert="horz" lIns="91440" tIns="45720" rIns="91440" bIns="45720" rtlCol="0" anchor="b">
-            <a:normAutofit/>
+            <a:normAutofit fontScale="85000" lnSpcReduction="10000"/>
           </a:bodyPr>
           <a:lstStyle>
             <a:lvl1pPr algn="ctr" defTabSz="914400" rtl="0" eaLnBrk="1" latinLnBrk="0" hangingPunct="1">
@@ -11646,7 +11646,7 @@
             </a:pPr>
             <a:r>
               <a:rPr lang="en-US" altLang="zh-CN" sz="2800" dirty="0"/>
-              <a:t>G(n)=6-n</a:t>
+              <a:t>G(n)=1.2-0.2n</a:t>
             </a:r>
             <a:endParaRPr lang="zh-CN" altLang="en-US" sz="2800" dirty="0"/>
           </a:p>
@@ -11847,7 +11847,7 @@
           <p:nvPr>
             <p:extLst>
               <p:ext uri="{D42A27DB-BD31-4B8C-83A1-F6EECF244321}">
-                <p14:modId xmlns:p14="http://schemas.microsoft.com/office/powerpoint/2010/main" val="1189833524"/>
+                <p14:modId xmlns:p14="http://schemas.microsoft.com/office/powerpoint/2010/main" val="1291322438"/>
               </p:ext>
             </p:extLst>
           </p:nvPr>
@@ -11915,7 +11915,7 @@
                       <a:pPr algn="ctr"/>
                       <a:r>
                         <a:rPr lang="en-US" altLang="zh-CN" dirty="0"/>
-                        <a:t>Job0  calcspeed=2  block number=3</a:t>
+                        <a:t>Job0  calcspeed=10  block number=3</a:t>
                       </a:r>
                       <a:endParaRPr lang="zh-CN" altLang="en-US" dirty="0"/>
                     </a:p>
@@ -12424,7 +12424,7 @@
           <p:nvPr>
             <p:extLst>
               <p:ext uri="{D42A27DB-BD31-4B8C-83A1-F6EECF244321}">
-                <p14:modId xmlns:p14="http://schemas.microsoft.com/office/powerpoint/2010/main" val="744447501"/>
+                <p14:modId xmlns:p14="http://schemas.microsoft.com/office/powerpoint/2010/main" val="3797417170"/>
               </p:ext>
             </p:extLst>
           </p:nvPr>
@@ -12492,7 +12492,7 @@
                       <a:pPr algn="ctr"/>
                       <a:r>
                         <a:rPr lang="en-US" altLang="zh-CN" dirty="0"/>
-                        <a:t>Job1  calcspeed=3  block number=3</a:t>
+                        <a:t>Job1  calcspeed=15  block number=3</a:t>
                       </a:r>
                       <a:endParaRPr lang="zh-CN" altLang="en-US" dirty="0"/>
                     </a:p>
@@ -13140,7 +13140,7 @@
         </p:spPr>
         <p:txBody>
           <a:bodyPr vert="horz" lIns="91440" tIns="45720" rIns="91440" bIns="45720" rtlCol="0" anchor="b">
-            <a:normAutofit/>
+            <a:normAutofit fontScale="85000" lnSpcReduction="10000"/>
           </a:bodyPr>
           <a:lstStyle>
             <a:lvl1pPr algn="ctr" defTabSz="914400" rtl="0" eaLnBrk="1" latinLnBrk="0" hangingPunct="1">
@@ -13168,7 +13168,7 @@
             </a:pPr>
             <a:r>
               <a:rPr lang="en-US" altLang="zh-CN" sz="2800" dirty="0"/>
-              <a:t>G(n)=6-n</a:t>
+              <a:t>G(n)=1.2-0.2n</a:t>
             </a:r>
             <a:endParaRPr lang="zh-CN" altLang="en-US" sz="2800" dirty="0"/>
           </a:p>

--- a/project_sample.pptx
+++ b/project_sample.pptx
@@ -12,6 +12,8 @@
     <p:sldId id="264" r:id="rId6"/>
     <p:sldId id="265" r:id="rId7"/>
     <p:sldId id="266" r:id="rId8"/>
+    <p:sldId id="267" r:id="rId9"/>
+    <p:sldId id="268" r:id="rId10"/>
   </p:sldIdLst>
   <p:sldSz cx="12192000" cy="6858000"/>
   <p:notesSz cx="6858000" cy="9144000"/>
@@ -276,7 +278,7 @@
           <a:p>
             <a:fld id="{F8752E61-11A2-4F16-805D-E395FFE7AD67}" type="datetimeFigureOut">
               <a:rPr lang="zh-CN" altLang="en-US" smtClean="0"/>
-              <a:t>2021/11/6</a:t>
+              <a:t>2021/11/8</a:t>
             </a:fld>
             <a:endParaRPr lang="zh-CN" altLang="en-US"/>
           </a:p>
@@ -474,7 +476,7 @@
           <a:p>
             <a:fld id="{F8752E61-11A2-4F16-805D-E395FFE7AD67}" type="datetimeFigureOut">
               <a:rPr lang="zh-CN" altLang="en-US" smtClean="0"/>
-              <a:t>2021/11/6</a:t>
+              <a:t>2021/11/8</a:t>
             </a:fld>
             <a:endParaRPr lang="zh-CN" altLang="en-US"/>
           </a:p>
@@ -682,7 +684,7 @@
           <a:p>
             <a:fld id="{F8752E61-11A2-4F16-805D-E395FFE7AD67}" type="datetimeFigureOut">
               <a:rPr lang="zh-CN" altLang="en-US" smtClean="0"/>
-              <a:t>2021/11/6</a:t>
+              <a:t>2021/11/8</a:t>
             </a:fld>
             <a:endParaRPr lang="zh-CN" altLang="en-US"/>
           </a:p>
@@ -880,7 +882,7 @@
           <a:p>
             <a:fld id="{F8752E61-11A2-4F16-805D-E395FFE7AD67}" type="datetimeFigureOut">
               <a:rPr lang="zh-CN" altLang="en-US" smtClean="0"/>
-              <a:t>2021/11/6</a:t>
+              <a:t>2021/11/8</a:t>
             </a:fld>
             <a:endParaRPr lang="zh-CN" altLang="en-US"/>
           </a:p>
@@ -1155,7 +1157,7 @@
           <a:p>
             <a:fld id="{F8752E61-11A2-4F16-805D-E395FFE7AD67}" type="datetimeFigureOut">
               <a:rPr lang="zh-CN" altLang="en-US" smtClean="0"/>
-              <a:t>2021/11/6</a:t>
+              <a:t>2021/11/8</a:t>
             </a:fld>
             <a:endParaRPr lang="zh-CN" altLang="en-US"/>
           </a:p>
@@ -1420,7 +1422,7 @@
           <a:p>
             <a:fld id="{F8752E61-11A2-4F16-805D-E395FFE7AD67}" type="datetimeFigureOut">
               <a:rPr lang="zh-CN" altLang="en-US" smtClean="0"/>
-              <a:t>2021/11/6</a:t>
+              <a:t>2021/11/8</a:t>
             </a:fld>
             <a:endParaRPr lang="zh-CN" altLang="en-US"/>
           </a:p>
@@ -1832,7 +1834,7 @@
           <a:p>
             <a:fld id="{F8752E61-11A2-4F16-805D-E395FFE7AD67}" type="datetimeFigureOut">
               <a:rPr lang="zh-CN" altLang="en-US" smtClean="0"/>
-              <a:t>2021/11/6</a:t>
+              <a:t>2021/11/8</a:t>
             </a:fld>
             <a:endParaRPr lang="zh-CN" altLang="en-US"/>
           </a:p>
@@ -1973,7 +1975,7 @@
           <a:p>
             <a:fld id="{F8752E61-11A2-4F16-805D-E395FFE7AD67}" type="datetimeFigureOut">
               <a:rPr lang="zh-CN" altLang="en-US" smtClean="0"/>
-              <a:t>2021/11/6</a:t>
+              <a:t>2021/11/8</a:t>
             </a:fld>
             <a:endParaRPr lang="zh-CN" altLang="en-US"/>
           </a:p>
@@ -2086,7 +2088,7 @@
           <a:p>
             <a:fld id="{F8752E61-11A2-4F16-805D-E395FFE7AD67}" type="datetimeFigureOut">
               <a:rPr lang="zh-CN" altLang="en-US" smtClean="0"/>
-              <a:t>2021/11/6</a:t>
+              <a:t>2021/11/8</a:t>
             </a:fld>
             <a:endParaRPr lang="zh-CN" altLang="en-US"/>
           </a:p>
@@ -2397,7 +2399,7 @@
           <a:p>
             <a:fld id="{F8752E61-11A2-4F16-805D-E395FFE7AD67}" type="datetimeFigureOut">
               <a:rPr lang="zh-CN" altLang="en-US" smtClean="0"/>
-              <a:t>2021/11/6</a:t>
+              <a:t>2021/11/8</a:t>
             </a:fld>
             <a:endParaRPr lang="zh-CN" altLang="en-US"/>
           </a:p>
@@ -2685,7 +2687,7 @@
           <a:p>
             <a:fld id="{F8752E61-11A2-4F16-805D-E395FFE7AD67}" type="datetimeFigureOut">
               <a:rPr lang="zh-CN" altLang="en-US" smtClean="0"/>
-              <a:t>2021/11/6</a:t>
+              <a:t>2021/11/8</a:t>
             </a:fld>
             <a:endParaRPr lang="zh-CN" altLang="en-US"/>
           </a:p>
@@ -2926,7 +2928,7 @@
           <a:p>
             <a:fld id="{F8752E61-11A2-4F16-805D-E395FFE7AD67}" type="datetimeFigureOut">
               <a:rPr lang="zh-CN" altLang="en-US" smtClean="0"/>
-              <a:t>2021/11/6</a:t>
+              <a:t>2021/11/8</a:t>
             </a:fld>
             <a:endParaRPr lang="zh-CN" altLang="en-US"/>
           </a:p>
@@ -13915,6 +13917,4242 @@
 </p:sld>
 </file>
 
+<file path=ppt/slides/slide8.xml><?xml version="1.0" encoding="utf-8"?>
+<p:sld xmlns:a="http://schemas.openxmlformats.org/drawingml/2006/main" xmlns:r="http://schemas.openxmlformats.org/officeDocument/2006/relationships" xmlns:p="http://schemas.openxmlformats.org/presentationml/2006/main">
+  <p:cSld>
+    <p:spTree>
+      <p:nvGrpSpPr>
+        <p:cNvPr id="1" name=""/>
+        <p:cNvGrpSpPr/>
+        <p:nvPr/>
+      </p:nvGrpSpPr>
+      <p:grpSpPr>
+        <a:xfrm>
+          <a:off x="0" y="0"/>
+          <a:ext cx="0" cy="0"/>
+          <a:chOff x="0" y="0"/>
+          <a:chExt cx="0" cy="0"/>
+        </a:xfrm>
+      </p:grpSpPr>
+      <p:graphicFrame>
+        <p:nvGraphicFramePr>
+          <p:cNvPr id="4" name="表格 4">
+            <a:extLst>
+              <a:ext uri="{FF2B5EF4-FFF2-40B4-BE49-F238E27FC236}">
+                <a16:creationId xmlns:a16="http://schemas.microsoft.com/office/drawing/2014/main" id="{44ED3898-2214-4DC3-A61B-D2C39C00373B}"/>
+              </a:ext>
+            </a:extLst>
+          </p:cNvPr>
+          <p:cNvGraphicFramePr>
+            <a:graphicFrameLocks noGrp="1"/>
+          </p:cNvGraphicFramePr>
+          <p:nvPr>
+            <p:extLst>
+              <p:ext uri="{D42A27DB-BD31-4B8C-83A1-F6EECF244321}">
+                <p14:modId xmlns:p14="http://schemas.microsoft.com/office/powerpoint/2010/main" val="390446114"/>
+              </p:ext>
+            </p:extLst>
+          </p:nvPr>
+        </p:nvGraphicFramePr>
+        <p:xfrm>
+          <a:off x="318783" y="1157034"/>
+          <a:ext cx="5642071" cy="3235960"/>
+        </p:xfrm>
+        <a:graphic>
+          <a:graphicData uri="http://schemas.openxmlformats.org/drawingml/2006/table">
+            <a:tbl>
+              <a:tblPr firstRow="1" bandRow="1">
+                <a:tableStyleId>{5C22544A-7EE6-4342-B048-85BDC9FD1C3A}</a:tableStyleId>
+              </a:tblPr>
+              <a:tblGrid>
+                <a:gridCol w="717393">
+                  <a:extLst>
+                    <a:ext uri="{9D8B030D-6E8A-4147-A177-3AD203B41FA5}">
+                      <a16:colId xmlns:a16="http://schemas.microsoft.com/office/drawing/2014/main" val="4184140664"/>
+                    </a:ext>
+                  </a:extLst>
+                </a:gridCol>
+                <a:gridCol w="939273">
+                  <a:extLst>
+                    <a:ext uri="{9D8B030D-6E8A-4147-A177-3AD203B41FA5}">
+                      <a16:colId xmlns:a16="http://schemas.microsoft.com/office/drawing/2014/main" val="2864183225"/>
+                    </a:ext>
+                  </a:extLst>
+                </a:gridCol>
+                <a:gridCol w="1773978">
+                  <a:extLst>
+                    <a:ext uri="{9D8B030D-6E8A-4147-A177-3AD203B41FA5}">
+                      <a16:colId xmlns:a16="http://schemas.microsoft.com/office/drawing/2014/main" val="2678482924"/>
+                    </a:ext>
+                  </a:extLst>
+                </a:gridCol>
+                <a:gridCol w="2211427">
+                  <a:extLst>
+                    <a:ext uri="{9D8B030D-6E8A-4147-A177-3AD203B41FA5}">
+                      <a16:colId xmlns:a16="http://schemas.microsoft.com/office/drawing/2014/main" val="1062077956"/>
+                    </a:ext>
+                  </a:extLst>
+                </a:gridCol>
+              </a:tblGrid>
+              <a:tr h="370840">
+                <a:tc gridSpan="4">
+                  <a:txBody>
+                    <a:bodyPr/>
+                    <a:lstStyle/>
+                    <a:p>
+                      <a:pPr algn="ctr"/>
+                      <a:r>
+                        <a:rPr lang="en-US" altLang="zh-CN" dirty="0"/>
+                        <a:t>Job0  calcspeed=64  block number=6</a:t>
+                      </a:r>
+                      <a:endParaRPr lang="zh-CN" altLang="en-US" dirty="0"/>
+                    </a:p>
+                  </a:txBody>
+                  <a:tcPr anchor="ctr"/>
+                </a:tc>
+                <a:tc hMerge="1">
+                  <a:txBody>
+                    <a:bodyPr/>
+                    <a:lstStyle/>
+                    <a:p>
+                      <a:endParaRPr lang="zh-CN" altLang="en-US" dirty="0"/>
+                    </a:p>
+                  </a:txBody>
+                  <a:tcPr/>
+                </a:tc>
+                <a:tc hMerge="1">
+                  <a:txBody>
+                    <a:bodyPr/>
+                    <a:lstStyle/>
+                    <a:p>
+                      <a:endParaRPr lang="zh-CN" altLang="en-US" dirty="0"/>
+                    </a:p>
+                  </a:txBody>
+                  <a:tcPr/>
+                </a:tc>
+                <a:tc hMerge="1">
+                  <a:txBody>
+                    <a:bodyPr/>
+                    <a:lstStyle/>
+                    <a:p>
+                      <a:pPr algn="ctr"/>
+                      <a:endParaRPr lang="zh-CN" altLang="en-US" dirty="0"/>
+                    </a:p>
+                  </a:txBody>
+                  <a:tcPr anchor="ctr"/>
+                </a:tc>
+                <a:extLst>
+                  <a:ext uri="{0D108BD9-81ED-4DB2-BD59-A6C34878D82A}">
+                    <a16:rowId xmlns:a16="http://schemas.microsoft.com/office/drawing/2014/main" val="2560640880"/>
+                  </a:ext>
+                </a:extLst>
+              </a:tr>
+              <a:tr h="370840">
+                <a:tc>
+                  <a:txBody>
+                    <a:bodyPr/>
+                    <a:lstStyle/>
+                    <a:p>
+                      <a:pPr algn="ctr"/>
+                      <a:r>
+                        <a:rPr lang="en-US" altLang="zh-CN" dirty="0"/>
+                        <a:t>Block ID</a:t>
+                      </a:r>
+                      <a:endParaRPr lang="zh-CN" altLang="en-US" dirty="0"/>
+                    </a:p>
+                  </a:txBody>
+                  <a:tcPr anchor="ctr"/>
+                </a:tc>
+                <a:tc>
+                  <a:txBody>
+                    <a:bodyPr/>
+                    <a:lstStyle/>
+                    <a:p>
+                      <a:pPr algn="ctr"/>
+                      <a:r>
+                        <a:rPr lang="en-US" altLang="zh-CN" dirty="0"/>
+                        <a:t>Size</a:t>
+                      </a:r>
+                      <a:endParaRPr lang="zh-CN" altLang="en-US" dirty="0"/>
+                    </a:p>
+                  </a:txBody>
+                  <a:tcPr anchor="ctr"/>
+                </a:tc>
+                <a:tc>
+                  <a:txBody>
+                    <a:bodyPr/>
+                    <a:lstStyle/>
+                    <a:p>
+                      <a:pPr algn="ctr"/>
+                      <a:r>
+                        <a:rPr lang="en-US" altLang="zh-CN" dirty="0"/>
+                        <a:t>Initial location</a:t>
+                      </a:r>
+                      <a:endParaRPr lang="zh-CN" altLang="en-US" dirty="0"/>
+                    </a:p>
+                  </a:txBody>
+                  <a:tcPr anchor="ctr"/>
+                </a:tc>
+                <a:tc>
+                  <a:txBody>
+                    <a:bodyPr/>
+                    <a:lstStyle/>
+                    <a:p>
+                      <a:pPr algn="ctr"/>
+                      <a:r>
+                        <a:rPr lang="zh-CN" altLang="en-US" dirty="0"/>
+                        <a:t>单核时间</a:t>
+                      </a:r>
+                    </a:p>
+                  </a:txBody>
+                  <a:tcPr anchor="ctr"/>
+                </a:tc>
+                <a:extLst>
+                  <a:ext uri="{0D108BD9-81ED-4DB2-BD59-A6C34878D82A}">
+                    <a16:rowId xmlns:a16="http://schemas.microsoft.com/office/drawing/2014/main" val="1866039802"/>
+                  </a:ext>
+                </a:extLst>
+              </a:tr>
+              <a:tr h="370840">
+                <a:tc>
+                  <a:txBody>
+                    <a:bodyPr/>
+                    <a:lstStyle/>
+                    <a:p>
+                      <a:pPr algn="ctr"/>
+                      <a:r>
+                        <a:rPr lang="en-US" altLang="zh-CN" dirty="0"/>
+                        <a:t>0</a:t>
+                      </a:r>
+                      <a:endParaRPr lang="zh-CN" altLang="en-US" dirty="0"/>
+                    </a:p>
+                  </a:txBody>
+                  <a:tcPr anchor="ctr"/>
+                </a:tc>
+                <a:tc>
+                  <a:txBody>
+                    <a:bodyPr/>
+                    <a:lstStyle/>
+                    <a:p>
+                      <a:pPr algn="ctr"/>
+                      <a:r>
+                        <a:rPr lang="en-US" altLang="zh-CN" dirty="0"/>
+                        <a:t>32</a:t>
+                      </a:r>
+                      <a:endParaRPr lang="zh-CN" altLang="en-US" dirty="0"/>
+                    </a:p>
+                  </a:txBody>
+                  <a:tcPr anchor="ctr"/>
+                </a:tc>
+                <a:tc>
+                  <a:txBody>
+                    <a:bodyPr/>
+                    <a:lstStyle/>
+                    <a:p>
+                      <a:pPr algn="ctr"/>
+                      <a:r>
+                        <a:rPr lang="en-US" altLang="zh-CN" dirty="0"/>
+                        <a:t>0, 1</a:t>
+                      </a:r>
+                      <a:endParaRPr lang="zh-CN" altLang="en-US" dirty="0"/>
+                    </a:p>
+                  </a:txBody>
+                  <a:tcPr anchor="ctr"/>
+                </a:tc>
+                <a:tc>
+                  <a:txBody>
+                    <a:bodyPr/>
+                    <a:lstStyle/>
+                    <a:p>
+                      <a:pPr algn="ctr"/>
+                      <a:r>
+                        <a:rPr lang="en-US" altLang="zh-CN" dirty="0"/>
+                        <a:t>0.5</a:t>
+                      </a:r>
+                      <a:endParaRPr lang="zh-CN" altLang="en-US" dirty="0"/>
+                    </a:p>
+                  </a:txBody>
+                  <a:tcPr anchor="ctr"/>
+                </a:tc>
+                <a:extLst>
+                  <a:ext uri="{0D108BD9-81ED-4DB2-BD59-A6C34878D82A}">
+                    <a16:rowId xmlns:a16="http://schemas.microsoft.com/office/drawing/2014/main" val="702594086"/>
+                  </a:ext>
+                </a:extLst>
+              </a:tr>
+              <a:tr h="370840">
+                <a:tc>
+                  <a:txBody>
+                    <a:bodyPr/>
+                    <a:lstStyle/>
+                    <a:p>
+                      <a:pPr algn="ctr"/>
+                      <a:r>
+                        <a:rPr lang="en-US" altLang="zh-CN" dirty="0"/>
+                        <a:t>1</a:t>
+                      </a:r>
+                      <a:endParaRPr lang="zh-CN" altLang="en-US" dirty="0"/>
+                    </a:p>
+                  </a:txBody>
+                  <a:tcPr anchor="ctr"/>
+                </a:tc>
+                <a:tc>
+                  <a:txBody>
+                    <a:bodyPr/>
+                    <a:lstStyle/>
+                    <a:p>
+                      <a:pPr algn="ctr"/>
+                      <a:r>
+                        <a:rPr lang="en-US" altLang="zh-CN" dirty="0"/>
+                        <a:t>128</a:t>
+                      </a:r>
+                      <a:endParaRPr lang="zh-CN" altLang="en-US" dirty="0"/>
+                    </a:p>
+                  </a:txBody>
+                  <a:tcPr anchor="ctr"/>
+                </a:tc>
+                <a:tc>
+                  <a:txBody>
+                    <a:bodyPr/>
+                    <a:lstStyle/>
+                    <a:p>
+                      <a:pPr algn="ctr"/>
+                      <a:r>
+                        <a:rPr lang="en-US" altLang="zh-CN" dirty="0"/>
+                        <a:t>0, 1</a:t>
+                      </a:r>
+                      <a:endParaRPr lang="zh-CN" altLang="en-US" dirty="0"/>
+                    </a:p>
+                  </a:txBody>
+                  <a:tcPr anchor="ctr"/>
+                </a:tc>
+                <a:tc>
+                  <a:txBody>
+                    <a:bodyPr/>
+                    <a:lstStyle/>
+                    <a:p>
+                      <a:pPr algn="ctr"/>
+                      <a:r>
+                        <a:rPr lang="en-US" altLang="zh-CN" dirty="0"/>
+                        <a:t>2</a:t>
+                      </a:r>
+                      <a:endParaRPr lang="zh-CN" altLang="en-US" dirty="0"/>
+                    </a:p>
+                  </a:txBody>
+                  <a:tcPr anchor="ctr"/>
+                </a:tc>
+                <a:extLst>
+                  <a:ext uri="{0D108BD9-81ED-4DB2-BD59-A6C34878D82A}">
+                    <a16:rowId xmlns:a16="http://schemas.microsoft.com/office/drawing/2014/main" val="833841873"/>
+                  </a:ext>
+                </a:extLst>
+              </a:tr>
+              <a:tr h="370840">
+                <a:tc>
+                  <a:txBody>
+                    <a:bodyPr/>
+                    <a:lstStyle/>
+                    <a:p>
+                      <a:pPr algn="ctr"/>
+                      <a:r>
+                        <a:rPr lang="en-US" altLang="zh-CN" dirty="0"/>
+                        <a:t>2</a:t>
+                      </a:r>
+                      <a:endParaRPr lang="zh-CN" altLang="en-US" dirty="0"/>
+                    </a:p>
+                  </a:txBody>
+                  <a:tcPr anchor="ctr"/>
+                </a:tc>
+                <a:tc>
+                  <a:txBody>
+                    <a:bodyPr/>
+                    <a:lstStyle/>
+                    <a:p>
+                      <a:pPr algn="ctr"/>
+                      <a:r>
+                        <a:rPr lang="en-US" altLang="zh-CN" dirty="0"/>
+                        <a:t>512</a:t>
+                      </a:r>
+                      <a:endParaRPr lang="zh-CN" altLang="en-US" dirty="0"/>
+                    </a:p>
+                  </a:txBody>
+                  <a:tcPr anchor="ctr"/>
+                </a:tc>
+                <a:tc>
+                  <a:txBody>
+                    <a:bodyPr/>
+                    <a:lstStyle/>
+                    <a:p>
+                      <a:pPr algn="ctr"/>
+                      <a:r>
+                        <a:rPr lang="en-US" altLang="zh-CN" dirty="0"/>
+                        <a:t>0, 1</a:t>
+                      </a:r>
+                      <a:endParaRPr lang="zh-CN" altLang="en-US" dirty="0"/>
+                    </a:p>
+                  </a:txBody>
+                  <a:tcPr anchor="ctr"/>
+                </a:tc>
+                <a:tc>
+                  <a:txBody>
+                    <a:bodyPr/>
+                    <a:lstStyle/>
+                    <a:p>
+                      <a:pPr algn="ctr"/>
+                      <a:r>
+                        <a:rPr lang="en-US" altLang="zh-CN" dirty="0"/>
+                        <a:t>8</a:t>
+                      </a:r>
+                      <a:endParaRPr lang="zh-CN" altLang="en-US" dirty="0"/>
+                    </a:p>
+                  </a:txBody>
+                  <a:tcPr anchor="ctr"/>
+                </a:tc>
+                <a:extLst>
+                  <a:ext uri="{0D108BD9-81ED-4DB2-BD59-A6C34878D82A}">
+                    <a16:rowId xmlns:a16="http://schemas.microsoft.com/office/drawing/2014/main" val="2039409488"/>
+                  </a:ext>
+                </a:extLst>
+              </a:tr>
+              <a:tr h="370840">
+                <a:tc>
+                  <a:txBody>
+                    <a:bodyPr/>
+                    <a:lstStyle/>
+                    <a:p>
+                      <a:pPr algn="ctr"/>
+                      <a:r>
+                        <a:rPr lang="en-US" altLang="zh-CN" dirty="0"/>
+                        <a:t>3</a:t>
+                      </a:r>
+                      <a:endParaRPr lang="zh-CN" altLang="en-US" dirty="0"/>
+                    </a:p>
+                  </a:txBody>
+                  <a:tcPr anchor="ctr"/>
+                </a:tc>
+                <a:tc>
+                  <a:txBody>
+                    <a:bodyPr/>
+                    <a:lstStyle/>
+                    <a:p>
+                      <a:pPr algn="ctr"/>
+                      <a:r>
+                        <a:rPr lang="en-US" altLang="zh-CN" dirty="0"/>
+                        <a:t>2048</a:t>
+                      </a:r>
+                      <a:endParaRPr lang="zh-CN" altLang="en-US" dirty="0"/>
+                    </a:p>
+                  </a:txBody>
+                  <a:tcPr anchor="ctr"/>
+                </a:tc>
+                <a:tc>
+                  <a:txBody>
+                    <a:bodyPr/>
+                    <a:lstStyle/>
+                    <a:p>
+                      <a:pPr algn="ctr"/>
+                      <a:r>
+                        <a:rPr lang="en-US" altLang="zh-CN" dirty="0"/>
+                        <a:t>0, 1</a:t>
+                      </a:r>
+                      <a:endParaRPr lang="zh-CN" altLang="en-US" dirty="0"/>
+                    </a:p>
+                  </a:txBody>
+                  <a:tcPr anchor="ctr"/>
+                </a:tc>
+                <a:tc>
+                  <a:txBody>
+                    <a:bodyPr/>
+                    <a:lstStyle/>
+                    <a:p>
+                      <a:pPr algn="ctr"/>
+                      <a:r>
+                        <a:rPr lang="en-US" altLang="zh-CN" dirty="0"/>
+                        <a:t>32</a:t>
+                      </a:r>
+                      <a:endParaRPr lang="zh-CN" altLang="en-US" dirty="0"/>
+                    </a:p>
+                  </a:txBody>
+                  <a:tcPr anchor="ctr"/>
+                </a:tc>
+                <a:extLst>
+                  <a:ext uri="{0D108BD9-81ED-4DB2-BD59-A6C34878D82A}">
+                    <a16:rowId xmlns:a16="http://schemas.microsoft.com/office/drawing/2014/main" val="2173885226"/>
+                  </a:ext>
+                </a:extLst>
+              </a:tr>
+              <a:tr h="370840">
+                <a:tc>
+                  <a:txBody>
+                    <a:bodyPr/>
+                    <a:lstStyle/>
+                    <a:p>
+                      <a:pPr algn="ctr"/>
+                      <a:r>
+                        <a:rPr lang="en-US" altLang="zh-CN" dirty="0"/>
+                        <a:t>4</a:t>
+                      </a:r>
+                      <a:endParaRPr lang="zh-CN" altLang="en-US" dirty="0"/>
+                    </a:p>
+                  </a:txBody>
+                  <a:tcPr anchor="ctr"/>
+                </a:tc>
+                <a:tc>
+                  <a:txBody>
+                    <a:bodyPr/>
+                    <a:lstStyle/>
+                    <a:p>
+                      <a:pPr algn="ctr"/>
+                      <a:r>
+                        <a:rPr lang="en-US" altLang="zh-CN" dirty="0"/>
+                        <a:t>8192</a:t>
+                      </a:r>
+                      <a:endParaRPr lang="zh-CN" altLang="en-US" dirty="0"/>
+                    </a:p>
+                  </a:txBody>
+                  <a:tcPr anchor="ctr"/>
+                </a:tc>
+                <a:tc>
+                  <a:txBody>
+                    <a:bodyPr/>
+                    <a:lstStyle/>
+                    <a:p>
+                      <a:pPr algn="ctr"/>
+                      <a:r>
+                        <a:rPr lang="en-US" altLang="zh-CN" dirty="0"/>
+                        <a:t>0, 1</a:t>
+                      </a:r>
+                      <a:endParaRPr lang="zh-CN" altLang="en-US" dirty="0"/>
+                    </a:p>
+                  </a:txBody>
+                  <a:tcPr anchor="ctr"/>
+                </a:tc>
+                <a:tc>
+                  <a:txBody>
+                    <a:bodyPr/>
+                    <a:lstStyle/>
+                    <a:p>
+                      <a:pPr algn="ctr"/>
+                      <a:r>
+                        <a:rPr lang="en-US" altLang="zh-CN" dirty="0"/>
+                        <a:t>128</a:t>
+                      </a:r>
+                      <a:endParaRPr lang="zh-CN" altLang="en-US" dirty="0"/>
+                    </a:p>
+                  </a:txBody>
+                  <a:tcPr anchor="ctr"/>
+                </a:tc>
+                <a:extLst>
+                  <a:ext uri="{0D108BD9-81ED-4DB2-BD59-A6C34878D82A}">
+                    <a16:rowId xmlns:a16="http://schemas.microsoft.com/office/drawing/2014/main" val="4130955225"/>
+                  </a:ext>
+                </a:extLst>
+              </a:tr>
+              <a:tr h="370840">
+                <a:tc>
+                  <a:txBody>
+                    <a:bodyPr/>
+                    <a:lstStyle/>
+                    <a:p>
+                      <a:pPr algn="ctr"/>
+                      <a:r>
+                        <a:rPr lang="en-US" altLang="zh-CN" dirty="0"/>
+                        <a:t>5</a:t>
+                      </a:r>
+                      <a:endParaRPr lang="zh-CN" altLang="en-US" dirty="0"/>
+                    </a:p>
+                  </a:txBody>
+                  <a:tcPr anchor="ctr"/>
+                </a:tc>
+                <a:tc>
+                  <a:txBody>
+                    <a:bodyPr/>
+                    <a:lstStyle/>
+                    <a:p>
+                      <a:pPr algn="ctr"/>
+                      <a:r>
+                        <a:rPr lang="en-US" altLang="zh-CN" dirty="0"/>
+                        <a:t>32768</a:t>
+                      </a:r>
+                      <a:endParaRPr lang="zh-CN" altLang="en-US" dirty="0"/>
+                    </a:p>
+                  </a:txBody>
+                  <a:tcPr anchor="ctr"/>
+                </a:tc>
+                <a:tc>
+                  <a:txBody>
+                    <a:bodyPr/>
+                    <a:lstStyle/>
+                    <a:p>
+                      <a:pPr algn="ctr"/>
+                      <a:r>
+                        <a:rPr lang="en-US" altLang="zh-CN" dirty="0"/>
+                        <a:t>0, 1</a:t>
+                      </a:r>
+                      <a:endParaRPr lang="zh-CN" altLang="en-US" dirty="0"/>
+                    </a:p>
+                  </a:txBody>
+                  <a:tcPr anchor="ctr"/>
+                </a:tc>
+                <a:tc>
+                  <a:txBody>
+                    <a:bodyPr/>
+                    <a:lstStyle/>
+                    <a:p>
+                      <a:pPr algn="ctr"/>
+                      <a:r>
+                        <a:rPr lang="en-US" altLang="zh-CN" dirty="0"/>
+                        <a:t>512</a:t>
+                      </a:r>
+                      <a:endParaRPr lang="zh-CN" altLang="en-US" dirty="0"/>
+                    </a:p>
+                  </a:txBody>
+                  <a:tcPr anchor="ctr"/>
+                </a:tc>
+                <a:extLst>
+                  <a:ext uri="{0D108BD9-81ED-4DB2-BD59-A6C34878D82A}">
+                    <a16:rowId xmlns:a16="http://schemas.microsoft.com/office/drawing/2014/main" val="9581244"/>
+                  </a:ext>
+                </a:extLst>
+              </a:tr>
+            </a:tbl>
+          </a:graphicData>
+        </a:graphic>
+      </p:graphicFrame>
+      <p:graphicFrame>
+        <p:nvGraphicFramePr>
+          <p:cNvPr id="5" name="表格 4">
+            <a:extLst>
+              <a:ext uri="{FF2B5EF4-FFF2-40B4-BE49-F238E27FC236}">
+                <a16:creationId xmlns:a16="http://schemas.microsoft.com/office/drawing/2014/main" id="{4CCA2F57-6067-4CCB-8171-3DBEE83A7EBD}"/>
+              </a:ext>
+            </a:extLst>
+          </p:cNvPr>
+          <p:cNvGraphicFramePr>
+            <a:graphicFrameLocks noGrp="1"/>
+          </p:cNvGraphicFramePr>
+          <p:nvPr>
+            <p:extLst>
+              <p:ext uri="{D42A27DB-BD31-4B8C-83A1-F6EECF244321}">
+                <p14:modId xmlns:p14="http://schemas.microsoft.com/office/powerpoint/2010/main" val="2025631575"/>
+              </p:ext>
+            </p:extLst>
+          </p:nvPr>
+        </p:nvGraphicFramePr>
+        <p:xfrm>
+          <a:off x="318783" y="4453578"/>
+          <a:ext cx="5642070" cy="2118360"/>
+        </p:xfrm>
+        <a:graphic>
+          <a:graphicData uri="http://schemas.openxmlformats.org/drawingml/2006/table">
+            <a:tbl>
+              <a:tblPr firstRow="1" bandRow="1">
+                <a:tableStyleId>{5C22544A-7EE6-4342-B048-85BDC9FD1C3A}</a:tableStyleId>
+              </a:tblPr>
+              <a:tblGrid>
+                <a:gridCol w="819904">
+                  <a:extLst>
+                    <a:ext uri="{9D8B030D-6E8A-4147-A177-3AD203B41FA5}">
+                      <a16:colId xmlns:a16="http://schemas.microsoft.com/office/drawing/2014/main" val="4184140664"/>
+                    </a:ext>
+                  </a:extLst>
+                </a:gridCol>
+                <a:gridCol w="923026">
+                  <a:extLst>
+                    <a:ext uri="{9D8B030D-6E8A-4147-A177-3AD203B41FA5}">
+                      <a16:colId xmlns:a16="http://schemas.microsoft.com/office/drawing/2014/main" val="2864183225"/>
+                    </a:ext>
+                  </a:extLst>
+                </a:gridCol>
+                <a:gridCol w="1687713">
+                  <a:extLst>
+                    <a:ext uri="{9D8B030D-6E8A-4147-A177-3AD203B41FA5}">
+                      <a16:colId xmlns:a16="http://schemas.microsoft.com/office/drawing/2014/main" val="2678482924"/>
+                    </a:ext>
+                  </a:extLst>
+                </a:gridCol>
+                <a:gridCol w="2211427">
+                  <a:extLst>
+                    <a:ext uri="{9D8B030D-6E8A-4147-A177-3AD203B41FA5}">
+                      <a16:colId xmlns:a16="http://schemas.microsoft.com/office/drawing/2014/main" val="3191097849"/>
+                    </a:ext>
+                  </a:extLst>
+                </a:gridCol>
+              </a:tblGrid>
+              <a:tr h="0">
+                <a:tc gridSpan="4">
+                  <a:txBody>
+                    <a:bodyPr/>
+                    <a:lstStyle/>
+                    <a:p>
+                      <a:pPr algn="ctr"/>
+                      <a:r>
+                        <a:rPr lang="en-US" altLang="zh-CN" dirty="0"/>
+                        <a:t>Job1  calcspeed=1000  block number=4</a:t>
+                      </a:r>
+                      <a:endParaRPr lang="zh-CN" altLang="en-US" dirty="0"/>
+                    </a:p>
+                  </a:txBody>
+                  <a:tcPr anchor="ctr"/>
+                </a:tc>
+                <a:tc hMerge="1">
+                  <a:txBody>
+                    <a:bodyPr/>
+                    <a:lstStyle/>
+                    <a:p>
+                      <a:endParaRPr lang="zh-CN" altLang="en-US" dirty="0"/>
+                    </a:p>
+                  </a:txBody>
+                  <a:tcPr/>
+                </a:tc>
+                <a:tc hMerge="1">
+                  <a:txBody>
+                    <a:bodyPr/>
+                    <a:lstStyle/>
+                    <a:p>
+                      <a:endParaRPr lang="zh-CN" altLang="en-US" dirty="0"/>
+                    </a:p>
+                  </a:txBody>
+                  <a:tcPr/>
+                </a:tc>
+                <a:tc hMerge="1">
+                  <a:txBody>
+                    <a:bodyPr/>
+                    <a:lstStyle/>
+                    <a:p>
+                      <a:pPr algn="ctr"/>
+                      <a:endParaRPr lang="zh-CN" altLang="en-US" dirty="0"/>
+                    </a:p>
+                  </a:txBody>
+                  <a:tcPr anchor="ctr"/>
+                </a:tc>
+                <a:extLst>
+                  <a:ext uri="{0D108BD9-81ED-4DB2-BD59-A6C34878D82A}">
+                    <a16:rowId xmlns:a16="http://schemas.microsoft.com/office/drawing/2014/main" val="2560640880"/>
+                  </a:ext>
+                </a:extLst>
+              </a:tr>
+              <a:tr h="370840">
+                <a:tc>
+                  <a:txBody>
+                    <a:bodyPr/>
+                    <a:lstStyle/>
+                    <a:p>
+                      <a:pPr algn="ctr"/>
+                      <a:r>
+                        <a:rPr lang="en-US" altLang="zh-CN" dirty="0"/>
+                        <a:t>Block ID</a:t>
+                      </a:r>
+                      <a:endParaRPr lang="zh-CN" altLang="en-US" dirty="0"/>
+                    </a:p>
+                  </a:txBody>
+                  <a:tcPr anchor="ctr"/>
+                </a:tc>
+                <a:tc>
+                  <a:txBody>
+                    <a:bodyPr/>
+                    <a:lstStyle/>
+                    <a:p>
+                      <a:pPr algn="ctr"/>
+                      <a:r>
+                        <a:rPr lang="en-US" altLang="zh-CN" dirty="0"/>
+                        <a:t>Size</a:t>
+                      </a:r>
+                      <a:endParaRPr lang="zh-CN" altLang="en-US" dirty="0"/>
+                    </a:p>
+                  </a:txBody>
+                  <a:tcPr anchor="ctr"/>
+                </a:tc>
+                <a:tc>
+                  <a:txBody>
+                    <a:bodyPr/>
+                    <a:lstStyle/>
+                    <a:p>
+                      <a:pPr algn="ctr"/>
+                      <a:r>
+                        <a:rPr lang="en-US" altLang="zh-CN" dirty="0"/>
+                        <a:t>Initial location</a:t>
+                      </a:r>
+                      <a:endParaRPr lang="zh-CN" altLang="en-US" dirty="0"/>
+                    </a:p>
+                  </a:txBody>
+                  <a:tcPr anchor="ctr"/>
+                </a:tc>
+                <a:tc>
+                  <a:txBody>
+                    <a:bodyPr/>
+                    <a:lstStyle/>
+                    <a:p>
+                      <a:pPr marL="0" marR="0" lvl="0" indent="0" algn="ctr" defTabSz="914400" rtl="0" eaLnBrk="1" fontAlgn="auto" latinLnBrk="0" hangingPunct="1">
+                        <a:lnSpc>
+                          <a:spcPct val="100000"/>
+                        </a:lnSpc>
+                        <a:spcBef>
+                          <a:spcPts val="0"/>
+                        </a:spcBef>
+                        <a:spcAft>
+                          <a:spcPts val="0"/>
+                        </a:spcAft>
+                        <a:buClrTx/>
+                        <a:buSzTx/>
+                        <a:buFontTx/>
+                        <a:buNone/>
+                        <a:tabLst/>
+                        <a:defRPr/>
+                      </a:pPr>
+                      <a:r>
+                        <a:rPr lang="zh-CN" altLang="en-US" dirty="0"/>
+                        <a:t>单核时间</a:t>
+                      </a:r>
+                    </a:p>
+                  </a:txBody>
+                  <a:tcPr anchor="ctr"/>
+                </a:tc>
+                <a:extLst>
+                  <a:ext uri="{0D108BD9-81ED-4DB2-BD59-A6C34878D82A}">
+                    <a16:rowId xmlns:a16="http://schemas.microsoft.com/office/drawing/2014/main" val="1866039802"/>
+                  </a:ext>
+                </a:extLst>
+              </a:tr>
+              <a:tr h="370840">
+                <a:tc>
+                  <a:txBody>
+                    <a:bodyPr/>
+                    <a:lstStyle/>
+                    <a:p>
+                      <a:pPr algn="ctr"/>
+                      <a:r>
+                        <a:rPr lang="en-US" altLang="zh-CN" dirty="0"/>
+                        <a:t>0</a:t>
+                      </a:r>
+                      <a:endParaRPr lang="zh-CN" altLang="en-US" dirty="0"/>
+                    </a:p>
+                  </a:txBody>
+                  <a:tcPr anchor="ctr"/>
+                </a:tc>
+                <a:tc>
+                  <a:txBody>
+                    <a:bodyPr/>
+                    <a:lstStyle/>
+                    <a:p>
+                      <a:pPr algn="ctr"/>
+                      <a:r>
+                        <a:rPr lang="en-US" altLang="zh-CN" dirty="0"/>
+                        <a:t>5k</a:t>
+                      </a:r>
+                      <a:endParaRPr lang="zh-CN" altLang="en-US" dirty="0"/>
+                    </a:p>
+                  </a:txBody>
+                  <a:tcPr anchor="ctr"/>
+                </a:tc>
+                <a:tc>
+                  <a:txBody>
+                    <a:bodyPr/>
+                    <a:lstStyle/>
+                    <a:p>
+                      <a:pPr algn="ctr"/>
+                      <a:r>
+                        <a:rPr lang="en-US" altLang="zh-CN" dirty="0"/>
+                        <a:t>0, 1</a:t>
+                      </a:r>
+                      <a:endParaRPr lang="zh-CN" altLang="en-US" dirty="0"/>
+                    </a:p>
+                  </a:txBody>
+                  <a:tcPr anchor="ctr"/>
+                </a:tc>
+                <a:tc>
+                  <a:txBody>
+                    <a:bodyPr/>
+                    <a:lstStyle/>
+                    <a:p>
+                      <a:pPr algn="ctr"/>
+                      <a:r>
+                        <a:rPr lang="en-US" altLang="zh-CN" dirty="0"/>
+                        <a:t>5</a:t>
+                      </a:r>
+                      <a:endParaRPr lang="zh-CN" altLang="en-US" dirty="0"/>
+                    </a:p>
+                  </a:txBody>
+                  <a:tcPr anchor="ctr"/>
+                </a:tc>
+                <a:extLst>
+                  <a:ext uri="{0D108BD9-81ED-4DB2-BD59-A6C34878D82A}">
+                    <a16:rowId xmlns:a16="http://schemas.microsoft.com/office/drawing/2014/main" val="702594086"/>
+                  </a:ext>
+                </a:extLst>
+              </a:tr>
+              <a:tr h="370840">
+                <a:tc>
+                  <a:txBody>
+                    <a:bodyPr/>
+                    <a:lstStyle/>
+                    <a:p>
+                      <a:pPr algn="ctr"/>
+                      <a:r>
+                        <a:rPr lang="en-US" altLang="zh-CN" dirty="0"/>
+                        <a:t>1</a:t>
+                      </a:r>
+                      <a:endParaRPr lang="zh-CN" altLang="en-US" dirty="0"/>
+                    </a:p>
+                  </a:txBody>
+                  <a:tcPr anchor="ctr"/>
+                </a:tc>
+                <a:tc>
+                  <a:txBody>
+                    <a:bodyPr/>
+                    <a:lstStyle/>
+                    <a:p>
+                      <a:pPr algn="ctr"/>
+                      <a:r>
+                        <a:rPr lang="en-US" altLang="zh-CN" dirty="0"/>
+                        <a:t>5k</a:t>
+                      </a:r>
+                      <a:endParaRPr lang="zh-CN" altLang="en-US" dirty="0"/>
+                    </a:p>
+                  </a:txBody>
+                  <a:tcPr anchor="ctr"/>
+                </a:tc>
+                <a:tc>
+                  <a:txBody>
+                    <a:bodyPr/>
+                    <a:lstStyle/>
+                    <a:p>
+                      <a:pPr algn="ctr"/>
+                      <a:r>
+                        <a:rPr lang="en-US" altLang="zh-CN" dirty="0"/>
+                        <a:t>0, 1</a:t>
+                      </a:r>
+                      <a:endParaRPr lang="zh-CN" altLang="en-US" dirty="0"/>
+                    </a:p>
+                  </a:txBody>
+                  <a:tcPr anchor="ctr"/>
+                </a:tc>
+                <a:tc>
+                  <a:txBody>
+                    <a:bodyPr/>
+                    <a:lstStyle/>
+                    <a:p>
+                      <a:pPr algn="ctr"/>
+                      <a:r>
+                        <a:rPr lang="en-US" altLang="zh-CN" dirty="0"/>
+                        <a:t>5</a:t>
+                      </a:r>
+                      <a:endParaRPr lang="zh-CN" altLang="en-US" dirty="0"/>
+                    </a:p>
+                  </a:txBody>
+                  <a:tcPr anchor="ctr"/>
+                </a:tc>
+                <a:extLst>
+                  <a:ext uri="{0D108BD9-81ED-4DB2-BD59-A6C34878D82A}">
+                    <a16:rowId xmlns:a16="http://schemas.microsoft.com/office/drawing/2014/main" val="833841873"/>
+                  </a:ext>
+                </a:extLst>
+              </a:tr>
+              <a:tr h="370840">
+                <a:tc>
+                  <a:txBody>
+                    <a:bodyPr/>
+                    <a:lstStyle/>
+                    <a:p>
+                      <a:pPr algn="ctr"/>
+                      <a:r>
+                        <a:rPr lang="en-US" altLang="zh-CN" dirty="0"/>
+                        <a:t>2</a:t>
+                      </a:r>
+                      <a:endParaRPr lang="zh-CN" altLang="en-US" dirty="0"/>
+                    </a:p>
+                  </a:txBody>
+                  <a:tcPr anchor="ctr"/>
+                </a:tc>
+                <a:tc>
+                  <a:txBody>
+                    <a:bodyPr/>
+                    <a:lstStyle/>
+                    <a:p>
+                      <a:pPr algn="ctr"/>
+                      <a:r>
+                        <a:rPr lang="en-US" altLang="zh-CN" dirty="0"/>
+                        <a:t>50k</a:t>
+                      </a:r>
+                      <a:endParaRPr lang="zh-CN" altLang="en-US" dirty="0"/>
+                    </a:p>
+                  </a:txBody>
+                  <a:tcPr anchor="ctr"/>
+                </a:tc>
+                <a:tc>
+                  <a:txBody>
+                    <a:bodyPr/>
+                    <a:lstStyle/>
+                    <a:p>
+                      <a:pPr algn="ctr"/>
+                      <a:r>
+                        <a:rPr lang="en-US" altLang="zh-CN" dirty="0"/>
+                        <a:t>0, 1</a:t>
+                      </a:r>
+                      <a:endParaRPr lang="zh-CN" altLang="en-US" dirty="0"/>
+                    </a:p>
+                  </a:txBody>
+                  <a:tcPr anchor="ctr"/>
+                </a:tc>
+                <a:tc>
+                  <a:txBody>
+                    <a:bodyPr/>
+                    <a:lstStyle/>
+                    <a:p>
+                      <a:pPr algn="ctr"/>
+                      <a:r>
+                        <a:rPr lang="en-US" altLang="zh-CN" dirty="0"/>
+                        <a:t>50</a:t>
+                      </a:r>
+                      <a:endParaRPr lang="zh-CN" altLang="en-US" dirty="0"/>
+                    </a:p>
+                  </a:txBody>
+                  <a:tcPr anchor="ctr"/>
+                </a:tc>
+                <a:extLst>
+                  <a:ext uri="{0D108BD9-81ED-4DB2-BD59-A6C34878D82A}">
+                    <a16:rowId xmlns:a16="http://schemas.microsoft.com/office/drawing/2014/main" val="2039409488"/>
+                  </a:ext>
+                </a:extLst>
+              </a:tr>
+            </a:tbl>
+          </a:graphicData>
+        </a:graphic>
+      </p:graphicFrame>
+      <p:sp>
+        <p:nvSpPr>
+          <p:cNvPr id="6" name="矩形 5">
+            <a:extLst>
+              <a:ext uri="{FF2B5EF4-FFF2-40B4-BE49-F238E27FC236}">
+                <a16:creationId xmlns:a16="http://schemas.microsoft.com/office/drawing/2014/main" id="{D775489E-7554-4CB3-9291-418AEB8A414F}"/>
+              </a:ext>
+            </a:extLst>
+          </p:cNvPr>
+          <p:cNvSpPr/>
+          <p:nvPr/>
+        </p:nvSpPr>
+        <p:spPr>
+          <a:xfrm>
+            <a:off x="318782" y="282711"/>
+            <a:ext cx="2499919" cy="716429"/>
+          </a:xfrm>
+          <a:prstGeom prst="rect">
+            <a:avLst/>
+          </a:prstGeom>
+          <a:solidFill>
+            <a:srgbClr val="002060"/>
+          </a:solidFill>
+        </p:spPr>
+        <p:style>
+          <a:lnRef idx="1">
+            <a:schemeClr val="accent5"/>
+          </a:lnRef>
+          <a:fillRef idx="3">
+            <a:schemeClr val="accent5"/>
+          </a:fillRef>
+          <a:effectRef idx="2">
+            <a:schemeClr val="accent5"/>
+          </a:effectRef>
+          <a:fontRef idx="minor">
+            <a:schemeClr val="lt1"/>
+          </a:fontRef>
+        </p:style>
+        <p:txBody>
+          <a:bodyPr rtlCol="0" anchor="ctr"/>
+          <a:lstStyle/>
+          <a:p>
+            <a:pPr algn="ctr"/>
+            <a:r>
+              <a:rPr lang="en-US" altLang="zh-CN" sz="3200" dirty="0"/>
+              <a:t>Use Case 3</a:t>
+            </a:r>
+            <a:endParaRPr lang="zh-CN" altLang="en-US" sz="3200" dirty="0"/>
+          </a:p>
+        </p:txBody>
+      </p:sp>
+      <p:sp>
+        <p:nvSpPr>
+          <p:cNvPr id="11" name="标题 1">
+            <a:extLst>
+              <a:ext uri="{FF2B5EF4-FFF2-40B4-BE49-F238E27FC236}">
+                <a16:creationId xmlns:a16="http://schemas.microsoft.com/office/drawing/2014/main" id="{B3211C3A-A333-4038-B62B-0907D43FA202}"/>
+              </a:ext>
+            </a:extLst>
+          </p:cNvPr>
+          <p:cNvSpPr txBox="1">
+            <a:spLocks/>
+          </p:cNvSpPr>
+          <p:nvPr/>
+        </p:nvSpPr>
+        <p:spPr>
+          <a:xfrm>
+            <a:off x="2912914" y="286062"/>
+            <a:ext cx="2561440" cy="540261"/>
+          </a:xfrm>
+          <a:prstGeom prst="rect">
+            <a:avLst/>
+          </a:prstGeom>
+        </p:spPr>
+        <p:txBody>
+          <a:bodyPr vert="horz" lIns="91440" tIns="45720" rIns="91440" bIns="45720" rtlCol="0" anchor="b">
+            <a:normAutofit fontScale="77500" lnSpcReduction="20000"/>
+          </a:bodyPr>
+          <a:lstStyle>
+            <a:lvl1pPr algn="ctr" defTabSz="914400" rtl="0" eaLnBrk="1" latinLnBrk="0" hangingPunct="1">
+              <a:lnSpc>
+                <a:spcPct val="90000"/>
+              </a:lnSpc>
+              <a:spcBef>
+                <a:spcPct val="0"/>
+              </a:spcBef>
+              <a:buNone/>
+              <a:defRPr sz="6000" kern="1200">
+                <a:solidFill>
+                  <a:schemeClr val="tx1"/>
+                </a:solidFill>
+                <a:latin typeface="+mj-lt"/>
+                <a:ea typeface="+mj-ea"/>
+                <a:cs typeface="+mj-cs"/>
+              </a:defRPr>
+            </a:lvl1pPr>
+          </a:lstStyle>
+          <a:p>
+            <a:pPr marL="457200" indent="-457200" algn="l">
+              <a:buFont typeface="Arial" panose="020B0604020202020204" pitchFamily="34" charset="0"/>
+              <a:buChar char="•"/>
+            </a:pPr>
+            <a:r>
+              <a:rPr lang="en-US" altLang="zh-CN" sz="2800" dirty="0"/>
+              <a:t>G(n)=1-0.1(n-1)</a:t>
+            </a:r>
+            <a:endParaRPr lang="zh-CN" altLang="en-US" sz="2800" dirty="0"/>
+          </a:p>
+        </p:txBody>
+      </p:sp>
+      <p:sp>
+        <p:nvSpPr>
+          <p:cNvPr id="12" name="标题 1">
+            <a:extLst>
+              <a:ext uri="{FF2B5EF4-FFF2-40B4-BE49-F238E27FC236}">
+                <a16:creationId xmlns:a16="http://schemas.microsoft.com/office/drawing/2014/main" id="{BD2645CC-F6CB-4872-A337-2D2F01B902DB}"/>
+              </a:ext>
+            </a:extLst>
+          </p:cNvPr>
+          <p:cNvSpPr txBox="1">
+            <a:spLocks/>
+          </p:cNvSpPr>
+          <p:nvPr/>
+        </p:nvSpPr>
+        <p:spPr>
+          <a:xfrm>
+            <a:off x="6135664" y="286062"/>
+            <a:ext cx="2561440" cy="540261"/>
+          </a:xfrm>
+          <a:prstGeom prst="rect">
+            <a:avLst/>
+          </a:prstGeom>
+        </p:spPr>
+        <p:txBody>
+          <a:bodyPr vert="horz" lIns="91440" tIns="45720" rIns="91440" bIns="45720" rtlCol="0" anchor="b">
+            <a:normAutofit/>
+          </a:bodyPr>
+          <a:lstStyle>
+            <a:lvl1pPr algn="ctr" defTabSz="914400" rtl="0" eaLnBrk="1" latinLnBrk="0" hangingPunct="1">
+              <a:lnSpc>
+                <a:spcPct val="90000"/>
+              </a:lnSpc>
+              <a:spcBef>
+                <a:spcPct val="0"/>
+              </a:spcBef>
+              <a:buNone/>
+              <a:defRPr sz="6000" kern="1200">
+                <a:solidFill>
+                  <a:schemeClr val="tx1"/>
+                </a:solidFill>
+                <a:latin typeface="+mj-lt"/>
+                <a:ea typeface="+mj-ea"/>
+                <a:cs typeface="+mj-cs"/>
+              </a:defRPr>
+            </a:lvl1pPr>
+          </a:lstStyle>
+          <a:p>
+            <a:pPr marL="457200" indent="-457200" algn="l">
+              <a:buFont typeface="Arial" panose="020B0604020202020204" pitchFamily="34" charset="0"/>
+              <a:buChar char="•"/>
+            </a:pPr>
+            <a:r>
+              <a:rPr lang="en-US" altLang="zh-CN" sz="2800" dirty="0"/>
+              <a:t>St=1024</a:t>
+            </a:r>
+            <a:endParaRPr lang="zh-CN" altLang="en-US" sz="2800" dirty="0"/>
+          </a:p>
+        </p:txBody>
+      </p:sp>
+      <p:sp>
+        <p:nvSpPr>
+          <p:cNvPr id="8" name="标题 1">
+            <a:extLst>
+              <a:ext uri="{FF2B5EF4-FFF2-40B4-BE49-F238E27FC236}">
+                <a16:creationId xmlns:a16="http://schemas.microsoft.com/office/drawing/2014/main" id="{28EE3BBA-3FD4-49CC-B5A6-7B21F27E4010}"/>
+              </a:ext>
+            </a:extLst>
+          </p:cNvPr>
+          <p:cNvSpPr txBox="1">
+            <a:spLocks/>
+          </p:cNvSpPr>
+          <p:nvPr/>
+        </p:nvSpPr>
+        <p:spPr>
+          <a:xfrm>
+            <a:off x="9311777" y="130491"/>
+            <a:ext cx="2561440" cy="1256044"/>
+          </a:xfrm>
+          <a:prstGeom prst="rect">
+            <a:avLst/>
+          </a:prstGeom>
+        </p:spPr>
+        <p:txBody>
+          <a:bodyPr vert="horz" lIns="91440" tIns="45720" rIns="91440" bIns="45720" rtlCol="0" anchor="b">
+            <a:normAutofit/>
+          </a:bodyPr>
+          <a:lstStyle>
+            <a:lvl1pPr algn="ctr" defTabSz="914400" rtl="0" eaLnBrk="1" latinLnBrk="0" hangingPunct="1">
+              <a:lnSpc>
+                <a:spcPct val="90000"/>
+              </a:lnSpc>
+              <a:spcBef>
+                <a:spcPct val="0"/>
+              </a:spcBef>
+              <a:buNone/>
+              <a:defRPr sz="6000" kern="1200">
+                <a:solidFill>
+                  <a:schemeClr val="tx1"/>
+                </a:solidFill>
+                <a:latin typeface="+mj-lt"/>
+                <a:ea typeface="+mj-ea"/>
+                <a:cs typeface="+mj-cs"/>
+              </a:defRPr>
+            </a:lvl1pPr>
+          </a:lstStyle>
+          <a:p>
+            <a:pPr marL="457200" indent="-457200" algn="l">
+              <a:buFont typeface="Arial" panose="020B0604020202020204" pitchFamily="34" charset="0"/>
+              <a:buChar char="•"/>
+            </a:pPr>
+            <a:r>
+              <a:rPr lang="en-US" altLang="zh-CN" sz="2800" dirty="0" err="1"/>
+              <a:t>numJob</a:t>
+            </a:r>
+            <a:r>
+              <a:rPr lang="en-US" altLang="zh-CN" sz="2800" dirty="0"/>
+              <a:t>=4</a:t>
+            </a:r>
+          </a:p>
+          <a:p>
+            <a:pPr marL="457200" indent="-457200" algn="l">
+              <a:buFont typeface="Arial" panose="020B0604020202020204" pitchFamily="34" charset="0"/>
+              <a:buChar char="•"/>
+            </a:pPr>
+            <a:r>
+              <a:rPr lang="en-US" altLang="zh-CN" sz="2800" dirty="0" err="1"/>
+              <a:t>numHost</a:t>
+            </a:r>
+            <a:r>
+              <a:rPr lang="en-US" altLang="zh-CN" sz="2800" dirty="0"/>
+              <a:t>=2</a:t>
+            </a:r>
+          </a:p>
+          <a:p>
+            <a:pPr marL="457200" indent="-457200" algn="l">
+              <a:buFont typeface="Arial" panose="020B0604020202020204" pitchFamily="34" charset="0"/>
+              <a:buChar char="•"/>
+            </a:pPr>
+            <a:r>
+              <a:rPr lang="en-US" altLang="zh-CN" sz="2800" dirty="0" err="1"/>
+              <a:t>numCore</a:t>
+            </a:r>
+            <a:r>
+              <a:rPr lang="en-US" altLang="zh-CN" sz="2800" dirty="0"/>
+              <a:t>=4</a:t>
+            </a:r>
+            <a:endParaRPr lang="zh-CN" altLang="en-US" sz="2800" dirty="0"/>
+          </a:p>
+        </p:txBody>
+      </p:sp>
+      <p:graphicFrame>
+        <p:nvGraphicFramePr>
+          <p:cNvPr id="13" name="表格 12">
+            <a:extLst>
+              <a:ext uri="{FF2B5EF4-FFF2-40B4-BE49-F238E27FC236}">
+                <a16:creationId xmlns:a16="http://schemas.microsoft.com/office/drawing/2014/main" id="{60BDCAFA-8212-49CD-93C5-29F10694FCBA}"/>
+              </a:ext>
+            </a:extLst>
+          </p:cNvPr>
+          <p:cNvGraphicFramePr>
+            <a:graphicFrameLocks noGrp="1"/>
+          </p:cNvGraphicFramePr>
+          <p:nvPr>
+            <p:extLst>
+              <p:ext uri="{D42A27DB-BD31-4B8C-83A1-F6EECF244321}">
+                <p14:modId xmlns:p14="http://schemas.microsoft.com/office/powerpoint/2010/main" val="2967472769"/>
+              </p:ext>
+            </p:extLst>
+          </p:nvPr>
+        </p:nvGraphicFramePr>
+        <p:xfrm>
+          <a:off x="6096000" y="1415040"/>
+          <a:ext cx="5642070" cy="2768600"/>
+        </p:xfrm>
+        <a:graphic>
+          <a:graphicData uri="http://schemas.openxmlformats.org/drawingml/2006/table">
+            <a:tbl>
+              <a:tblPr firstRow="1" bandRow="1">
+                <a:tableStyleId>{5C22544A-7EE6-4342-B048-85BDC9FD1C3A}</a:tableStyleId>
+              </a:tblPr>
+              <a:tblGrid>
+                <a:gridCol w="535841">
+                  <a:extLst>
+                    <a:ext uri="{9D8B030D-6E8A-4147-A177-3AD203B41FA5}">
+                      <a16:colId xmlns:a16="http://schemas.microsoft.com/office/drawing/2014/main" val="4184140664"/>
+                    </a:ext>
+                  </a:extLst>
+                </a:gridCol>
+                <a:gridCol w="683375">
+                  <a:extLst>
+                    <a:ext uri="{9D8B030D-6E8A-4147-A177-3AD203B41FA5}">
+                      <a16:colId xmlns:a16="http://schemas.microsoft.com/office/drawing/2014/main" val="2864183225"/>
+                    </a:ext>
+                  </a:extLst>
+                </a:gridCol>
+                <a:gridCol w="2211427">
+                  <a:extLst>
+                    <a:ext uri="{9D8B030D-6E8A-4147-A177-3AD203B41FA5}">
+                      <a16:colId xmlns:a16="http://schemas.microsoft.com/office/drawing/2014/main" val="2678482924"/>
+                    </a:ext>
+                  </a:extLst>
+                </a:gridCol>
+                <a:gridCol w="2211427">
+                  <a:extLst>
+                    <a:ext uri="{9D8B030D-6E8A-4147-A177-3AD203B41FA5}">
+                      <a16:colId xmlns:a16="http://schemas.microsoft.com/office/drawing/2014/main" val="1237822867"/>
+                    </a:ext>
+                  </a:extLst>
+                </a:gridCol>
+              </a:tblGrid>
+              <a:tr h="370840">
+                <a:tc gridSpan="4">
+                  <a:txBody>
+                    <a:bodyPr/>
+                    <a:lstStyle/>
+                    <a:p>
+                      <a:pPr algn="ctr"/>
+                      <a:r>
+                        <a:rPr lang="en-US" altLang="zh-CN" dirty="0"/>
+                        <a:t>Job2  calcspeed=64  block number=4</a:t>
+                      </a:r>
+                      <a:endParaRPr lang="zh-CN" altLang="en-US" dirty="0"/>
+                    </a:p>
+                  </a:txBody>
+                  <a:tcPr anchor="ctr"/>
+                </a:tc>
+                <a:tc hMerge="1">
+                  <a:txBody>
+                    <a:bodyPr/>
+                    <a:lstStyle/>
+                    <a:p>
+                      <a:endParaRPr lang="zh-CN" altLang="en-US" dirty="0"/>
+                    </a:p>
+                  </a:txBody>
+                  <a:tcPr/>
+                </a:tc>
+                <a:tc hMerge="1">
+                  <a:txBody>
+                    <a:bodyPr/>
+                    <a:lstStyle/>
+                    <a:p>
+                      <a:endParaRPr lang="zh-CN" altLang="en-US" dirty="0"/>
+                    </a:p>
+                  </a:txBody>
+                  <a:tcPr/>
+                </a:tc>
+                <a:tc hMerge="1">
+                  <a:txBody>
+                    <a:bodyPr/>
+                    <a:lstStyle/>
+                    <a:p>
+                      <a:pPr algn="ctr"/>
+                      <a:endParaRPr lang="zh-CN" altLang="en-US" dirty="0"/>
+                    </a:p>
+                  </a:txBody>
+                  <a:tcPr anchor="ctr"/>
+                </a:tc>
+                <a:extLst>
+                  <a:ext uri="{0D108BD9-81ED-4DB2-BD59-A6C34878D82A}">
+                    <a16:rowId xmlns:a16="http://schemas.microsoft.com/office/drawing/2014/main" val="2560640880"/>
+                  </a:ext>
+                </a:extLst>
+              </a:tr>
+              <a:tr h="370840">
+                <a:tc>
+                  <a:txBody>
+                    <a:bodyPr/>
+                    <a:lstStyle/>
+                    <a:p>
+                      <a:pPr algn="ctr"/>
+                      <a:r>
+                        <a:rPr lang="en-US" altLang="zh-CN" dirty="0"/>
+                        <a:t>Block ID</a:t>
+                      </a:r>
+                      <a:endParaRPr lang="zh-CN" altLang="en-US" dirty="0"/>
+                    </a:p>
+                  </a:txBody>
+                  <a:tcPr anchor="ctr"/>
+                </a:tc>
+                <a:tc>
+                  <a:txBody>
+                    <a:bodyPr/>
+                    <a:lstStyle/>
+                    <a:p>
+                      <a:pPr algn="ctr"/>
+                      <a:r>
+                        <a:rPr lang="en-US" altLang="zh-CN" dirty="0"/>
+                        <a:t>Size</a:t>
+                      </a:r>
+                      <a:endParaRPr lang="zh-CN" altLang="en-US" dirty="0"/>
+                    </a:p>
+                  </a:txBody>
+                  <a:tcPr anchor="ctr"/>
+                </a:tc>
+                <a:tc>
+                  <a:txBody>
+                    <a:bodyPr/>
+                    <a:lstStyle/>
+                    <a:p>
+                      <a:pPr algn="ctr"/>
+                      <a:r>
+                        <a:rPr lang="en-US" altLang="zh-CN" dirty="0"/>
+                        <a:t>Initial location</a:t>
+                      </a:r>
+                      <a:endParaRPr lang="zh-CN" altLang="en-US" dirty="0"/>
+                    </a:p>
+                  </a:txBody>
+                  <a:tcPr anchor="ctr"/>
+                </a:tc>
+                <a:tc>
+                  <a:txBody>
+                    <a:bodyPr/>
+                    <a:lstStyle/>
+                    <a:p>
+                      <a:pPr marL="0" marR="0" lvl="0" indent="0" algn="ctr" defTabSz="914400" rtl="0" eaLnBrk="1" fontAlgn="auto" latinLnBrk="0" hangingPunct="1">
+                        <a:lnSpc>
+                          <a:spcPct val="100000"/>
+                        </a:lnSpc>
+                        <a:spcBef>
+                          <a:spcPts val="0"/>
+                        </a:spcBef>
+                        <a:spcAft>
+                          <a:spcPts val="0"/>
+                        </a:spcAft>
+                        <a:buClrTx/>
+                        <a:buSzTx/>
+                        <a:buFontTx/>
+                        <a:buNone/>
+                        <a:tabLst/>
+                        <a:defRPr/>
+                      </a:pPr>
+                      <a:r>
+                        <a:rPr lang="zh-CN" altLang="en-US" dirty="0"/>
+                        <a:t>单核时间</a:t>
+                      </a:r>
+                    </a:p>
+                  </a:txBody>
+                  <a:tcPr anchor="ctr"/>
+                </a:tc>
+                <a:extLst>
+                  <a:ext uri="{0D108BD9-81ED-4DB2-BD59-A6C34878D82A}">
+                    <a16:rowId xmlns:a16="http://schemas.microsoft.com/office/drawing/2014/main" val="1866039802"/>
+                  </a:ext>
+                </a:extLst>
+              </a:tr>
+              <a:tr h="370840">
+                <a:tc>
+                  <a:txBody>
+                    <a:bodyPr/>
+                    <a:lstStyle/>
+                    <a:p>
+                      <a:pPr algn="ctr"/>
+                      <a:r>
+                        <a:rPr lang="en-US" altLang="zh-CN" dirty="0"/>
+                        <a:t>0</a:t>
+                      </a:r>
+                      <a:endParaRPr lang="zh-CN" altLang="en-US" dirty="0"/>
+                    </a:p>
+                  </a:txBody>
+                  <a:tcPr anchor="ctr"/>
+                </a:tc>
+                <a:tc>
+                  <a:txBody>
+                    <a:bodyPr/>
+                    <a:lstStyle/>
+                    <a:p>
+                      <a:pPr algn="ctr"/>
+                      <a:r>
+                        <a:rPr lang="en-US" altLang="zh-CN" dirty="0"/>
+                        <a:t>512</a:t>
+                      </a:r>
+                      <a:endParaRPr lang="zh-CN" altLang="en-US" dirty="0"/>
+                    </a:p>
+                  </a:txBody>
+                  <a:tcPr anchor="ctr"/>
+                </a:tc>
+                <a:tc>
+                  <a:txBody>
+                    <a:bodyPr/>
+                    <a:lstStyle/>
+                    <a:p>
+                      <a:pPr algn="ctr"/>
+                      <a:r>
+                        <a:rPr lang="en-US" altLang="zh-CN" dirty="0"/>
+                        <a:t>0, 1 </a:t>
+                      </a:r>
+                      <a:endParaRPr lang="zh-CN" altLang="en-US" dirty="0"/>
+                    </a:p>
+                  </a:txBody>
+                  <a:tcPr anchor="ctr"/>
+                </a:tc>
+                <a:tc>
+                  <a:txBody>
+                    <a:bodyPr/>
+                    <a:lstStyle/>
+                    <a:p>
+                      <a:pPr algn="ctr"/>
+                      <a:r>
+                        <a:rPr lang="en-US" altLang="zh-CN" dirty="0"/>
+                        <a:t>8</a:t>
+                      </a:r>
+                      <a:endParaRPr lang="zh-CN" altLang="en-US" dirty="0"/>
+                    </a:p>
+                  </a:txBody>
+                  <a:tcPr anchor="ctr"/>
+                </a:tc>
+                <a:extLst>
+                  <a:ext uri="{0D108BD9-81ED-4DB2-BD59-A6C34878D82A}">
+                    <a16:rowId xmlns:a16="http://schemas.microsoft.com/office/drawing/2014/main" val="702594086"/>
+                  </a:ext>
+                </a:extLst>
+              </a:tr>
+              <a:tr h="370840">
+                <a:tc>
+                  <a:txBody>
+                    <a:bodyPr/>
+                    <a:lstStyle/>
+                    <a:p>
+                      <a:pPr algn="ctr"/>
+                      <a:r>
+                        <a:rPr lang="en-US" altLang="zh-CN" dirty="0"/>
+                        <a:t>1</a:t>
+                      </a:r>
+                      <a:endParaRPr lang="zh-CN" altLang="en-US" dirty="0"/>
+                    </a:p>
+                  </a:txBody>
+                  <a:tcPr anchor="ctr"/>
+                </a:tc>
+                <a:tc>
+                  <a:txBody>
+                    <a:bodyPr/>
+                    <a:lstStyle/>
+                    <a:p>
+                      <a:pPr algn="ctr"/>
+                      <a:r>
+                        <a:rPr lang="en-US" altLang="zh-CN" dirty="0"/>
+                        <a:t>512</a:t>
+                      </a:r>
+                      <a:endParaRPr lang="zh-CN" altLang="en-US" dirty="0"/>
+                    </a:p>
+                  </a:txBody>
+                  <a:tcPr anchor="ctr"/>
+                </a:tc>
+                <a:tc>
+                  <a:txBody>
+                    <a:bodyPr/>
+                    <a:lstStyle/>
+                    <a:p>
+                      <a:pPr algn="ctr"/>
+                      <a:r>
+                        <a:rPr lang="en-US" altLang="zh-CN" dirty="0"/>
+                        <a:t>0, 1 </a:t>
+                      </a:r>
+                      <a:endParaRPr lang="zh-CN" altLang="en-US" dirty="0"/>
+                    </a:p>
+                  </a:txBody>
+                  <a:tcPr anchor="ctr"/>
+                </a:tc>
+                <a:tc>
+                  <a:txBody>
+                    <a:bodyPr/>
+                    <a:lstStyle/>
+                    <a:p>
+                      <a:pPr algn="ctr"/>
+                      <a:r>
+                        <a:rPr lang="en-US" altLang="zh-CN" dirty="0"/>
+                        <a:t>8</a:t>
+                      </a:r>
+                      <a:endParaRPr lang="zh-CN" altLang="en-US" dirty="0"/>
+                    </a:p>
+                  </a:txBody>
+                  <a:tcPr anchor="ctr"/>
+                </a:tc>
+                <a:extLst>
+                  <a:ext uri="{0D108BD9-81ED-4DB2-BD59-A6C34878D82A}">
+                    <a16:rowId xmlns:a16="http://schemas.microsoft.com/office/drawing/2014/main" val="833841873"/>
+                  </a:ext>
+                </a:extLst>
+              </a:tr>
+              <a:tr h="370840">
+                <a:tc>
+                  <a:txBody>
+                    <a:bodyPr/>
+                    <a:lstStyle/>
+                    <a:p>
+                      <a:pPr algn="ctr"/>
+                      <a:r>
+                        <a:rPr lang="en-US" altLang="zh-CN" dirty="0"/>
+                        <a:t>2</a:t>
+                      </a:r>
+                      <a:endParaRPr lang="zh-CN" altLang="en-US" dirty="0"/>
+                    </a:p>
+                  </a:txBody>
+                  <a:tcPr anchor="ctr"/>
+                </a:tc>
+                <a:tc>
+                  <a:txBody>
+                    <a:bodyPr/>
+                    <a:lstStyle/>
+                    <a:p>
+                      <a:pPr algn="ctr"/>
+                      <a:r>
+                        <a:rPr lang="en-US" altLang="zh-CN" dirty="0"/>
+                        <a:t>2048</a:t>
+                      </a:r>
+                      <a:endParaRPr lang="zh-CN" altLang="en-US" dirty="0"/>
+                    </a:p>
+                  </a:txBody>
+                  <a:tcPr anchor="ctr"/>
+                </a:tc>
+                <a:tc>
+                  <a:txBody>
+                    <a:bodyPr/>
+                    <a:lstStyle/>
+                    <a:p>
+                      <a:pPr algn="ctr"/>
+                      <a:r>
+                        <a:rPr lang="en-US" altLang="zh-CN" dirty="0"/>
+                        <a:t>0, 1 </a:t>
+                      </a:r>
+                      <a:endParaRPr lang="zh-CN" altLang="en-US" dirty="0"/>
+                    </a:p>
+                  </a:txBody>
+                  <a:tcPr anchor="ctr"/>
+                </a:tc>
+                <a:tc>
+                  <a:txBody>
+                    <a:bodyPr/>
+                    <a:lstStyle/>
+                    <a:p>
+                      <a:pPr algn="ctr"/>
+                      <a:r>
+                        <a:rPr lang="en-US" altLang="zh-CN" dirty="0"/>
+                        <a:t>32</a:t>
+                      </a:r>
+                      <a:endParaRPr lang="zh-CN" altLang="en-US" dirty="0"/>
+                    </a:p>
+                  </a:txBody>
+                  <a:tcPr anchor="ctr"/>
+                </a:tc>
+                <a:extLst>
+                  <a:ext uri="{0D108BD9-81ED-4DB2-BD59-A6C34878D82A}">
+                    <a16:rowId xmlns:a16="http://schemas.microsoft.com/office/drawing/2014/main" val="2039409488"/>
+                  </a:ext>
+                </a:extLst>
+              </a:tr>
+              <a:tr h="370840">
+                <a:tc>
+                  <a:txBody>
+                    <a:bodyPr/>
+                    <a:lstStyle/>
+                    <a:p>
+                      <a:pPr algn="ctr"/>
+                      <a:r>
+                        <a:rPr lang="en-US" altLang="zh-CN" dirty="0"/>
+                        <a:t>3</a:t>
+                      </a:r>
+                      <a:endParaRPr lang="zh-CN" altLang="en-US" dirty="0"/>
+                    </a:p>
+                  </a:txBody>
+                  <a:tcPr anchor="ctr"/>
+                </a:tc>
+                <a:tc>
+                  <a:txBody>
+                    <a:bodyPr/>
+                    <a:lstStyle/>
+                    <a:p>
+                      <a:pPr algn="ctr"/>
+                      <a:r>
+                        <a:rPr lang="en-US" altLang="zh-CN" dirty="0"/>
+                        <a:t>2048</a:t>
+                      </a:r>
+                      <a:endParaRPr lang="zh-CN" altLang="en-US" dirty="0"/>
+                    </a:p>
+                  </a:txBody>
+                  <a:tcPr anchor="ctr"/>
+                </a:tc>
+                <a:tc>
+                  <a:txBody>
+                    <a:bodyPr/>
+                    <a:lstStyle/>
+                    <a:p>
+                      <a:pPr algn="ctr"/>
+                      <a:r>
+                        <a:rPr lang="en-US" altLang="zh-CN" dirty="0"/>
+                        <a:t>0, 1 </a:t>
+                      </a:r>
+                      <a:endParaRPr lang="zh-CN" altLang="en-US" dirty="0"/>
+                    </a:p>
+                  </a:txBody>
+                  <a:tcPr anchor="ctr"/>
+                </a:tc>
+                <a:tc>
+                  <a:txBody>
+                    <a:bodyPr/>
+                    <a:lstStyle/>
+                    <a:p>
+                      <a:pPr algn="ctr"/>
+                      <a:r>
+                        <a:rPr lang="en-US" altLang="zh-CN" dirty="0"/>
+                        <a:t>32</a:t>
+                      </a:r>
+                      <a:endParaRPr lang="zh-CN" altLang="en-US" dirty="0"/>
+                    </a:p>
+                  </a:txBody>
+                  <a:tcPr anchor="ctr"/>
+                </a:tc>
+                <a:extLst>
+                  <a:ext uri="{0D108BD9-81ED-4DB2-BD59-A6C34878D82A}">
+                    <a16:rowId xmlns:a16="http://schemas.microsoft.com/office/drawing/2014/main" val="1579157760"/>
+                  </a:ext>
+                </a:extLst>
+              </a:tr>
+            </a:tbl>
+          </a:graphicData>
+        </a:graphic>
+      </p:graphicFrame>
+      <p:graphicFrame>
+        <p:nvGraphicFramePr>
+          <p:cNvPr id="14" name="表格 13">
+            <a:extLst>
+              <a:ext uri="{FF2B5EF4-FFF2-40B4-BE49-F238E27FC236}">
+                <a16:creationId xmlns:a16="http://schemas.microsoft.com/office/drawing/2014/main" id="{9AEE47CA-A584-4D74-8C9F-E5D5AD209C03}"/>
+              </a:ext>
+            </a:extLst>
+          </p:cNvPr>
+          <p:cNvGraphicFramePr>
+            <a:graphicFrameLocks noGrp="1"/>
+          </p:cNvGraphicFramePr>
+          <p:nvPr>
+            <p:extLst>
+              <p:ext uri="{D42A27DB-BD31-4B8C-83A1-F6EECF244321}">
+                <p14:modId xmlns:p14="http://schemas.microsoft.com/office/powerpoint/2010/main" val="2458837976"/>
+              </p:ext>
+            </p:extLst>
+          </p:nvPr>
+        </p:nvGraphicFramePr>
+        <p:xfrm>
+          <a:off x="6096000" y="4306218"/>
+          <a:ext cx="5642070" cy="2397760"/>
+        </p:xfrm>
+        <a:graphic>
+          <a:graphicData uri="http://schemas.openxmlformats.org/drawingml/2006/table">
+            <a:tbl>
+              <a:tblPr firstRow="1" bandRow="1">
+                <a:tableStyleId>{5C22544A-7EE6-4342-B048-85BDC9FD1C3A}</a:tableStyleId>
+              </a:tblPr>
+              <a:tblGrid>
+                <a:gridCol w="535841">
+                  <a:extLst>
+                    <a:ext uri="{9D8B030D-6E8A-4147-A177-3AD203B41FA5}">
+                      <a16:colId xmlns:a16="http://schemas.microsoft.com/office/drawing/2014/main" val="4184140664"/>
+                    </a:ext>
+                  </a:extLst>
+                </a:gridCol>
+                <a:gridCol w="683375">
+                  <a:extLst>
+                    <a:ext uri="{9D8B030D-6E8A-4147-A177-3AD203B41FA5}">
+                      <a16:colId xmlns:a16="http://schemas.microsoft.com/office/drawing/2014/main" val="2864183225"/>
+                    </a:ext>
+                  </a:extLst>
+                </a:gridCol>
+                <a:gridCol w="2211427">
+                  <a:extLst>
+                    <a:ext uri="{9D8B030D-6E8A-4147-A177-3AD203B41FA5}">
+                      <a16:colId xmlns:a16="http://schemas.microsoft.com/office/drawing/2014/main" val="2678482924"/>
+                    </a:ext>
+                  </a:extLst>
+                </a:gridCol>
+                <a:gridCol w="2211427">
+                  <a:extLst>
+                    <a:ext uri="{9D8B030D-6E8A-4147-A177-3AD203B41FA5}">
+                      <a16:colId xmlns:a16="http://schemas.microsoft.com/office/drawing/2014/main" val="1807808451"/>
+                    </a:ext>
+                  </a:extLst>
+                </a:gridCol>
+              </a:tblGrid>
+              <a:tr h="370840">
+                <a:tc gridSpan="4">
+                  <a:txBody>
+                    <a:bodyPr/>
+                    <a:lstStyle/>
+                    <a:p>
+                      <a:pPr algn="ctr"/>
+                      <a:r>
+                        <a:rPr lang="en-US" altLang="zh-CN" dirty="0"/>
+                        <a:t>Job3  calcspeed=1000  block number=3</a:t>
+                      </a:r>
+                      <a:endParaRPr lang="zh-CN" altLang="en-US" dirty="0"/>
+                    </a:p>
+                  </a:txBody>
+                  <a:tcPr anchor="ctr"/>
+                </a:tc>
+                <a:tc hMerge="1">
+                  <a:txBody>
+                    <a:bodyPr/>
+                    <a:lstStyle/>
+                    <a:p>
+                      <a:endParaRPr lang="zh-CN" altLang="en-US" dirty="0"/>
+                    </a:p>
+                  </a:txBody>
+                  <a:tcPr/>
+                </a:tc>
+                <a:tc hMerge="1">
+                  <a:txBody>
+                    <a:bodyPr/>
+                    <a:lstStyle/>
+                    <a:p>
+                      <a:endParaRPr lang="zh-CN" altLang="en-US" dirty="0"/>
+                    </a:p>
+                  </a:txBody>
+                  <a:tcPr/>
+                </a:tc>
+                <a:tc hMerge="1">
+                  <a:txBody>
+                    <a:bodyPr/>
+                    <a:lstStyle/>
+                    <a:p>
+                      <a:pPr algn="ctr"/>
+                      <a:endParaRPr lang="zh-CN" altLang="en-US" dirty="0"/>
+                    </a:p>
+                  </a:txBody>
+                  <a:tcPr anchor="ctr"/>
+                </a:tc>
+                <a:extLst>
+                  <a:ext uri="{0D108BD9-81ED-4DB2-BD59-A6C34878D82A}">
+                    <a16:rowId xmlns:a16="http://schemas.microsoft.com/office/drawing/2014/main" val="2560640880"/>
+                  </a:ext>
+                </a:extLst>
+              </a:tr>
+              <a:tr h="370840">
+                <a:tc>
+                  <a:txBody>
+                    <a:bodyPr/>
+                    <a:lstStyle/>
+                    <a:p>
+                      <a:pPr algn="ctr"/>
+                      <a:r>
+                        <a:rPr lang="en-US" altLang="zh-CN" dirty="0"/>
+                        <a:t>Block ID</a:t>
+                      </a:r>
+                      <a:endParaRPr lang="zh-CN" altLang="en-US" dirty="0"/>
+                    </a:p>
+                  </a:txBody>
+                  <a:tcPr anchor="ctr"/>
+                </a:tc>
+                <a:tc>
+                  <a:txBody>
+                    <a:bodyPr/>
+                    <a:lstStyle/>
+                    <a:p>
+                      <a:pPr algn="ctr"/>
+                      <a:r>
+                        <a:rPr lang="en-US" altLang="zh-CN" dirty="0"/>
+                        <a:t>Size</a:t>
+                      </a:r>
+                      <a:endParaRPr lang="zh-CN" altLang="en-US" dirty="0"/>
+                    </a:p>
+                  </a:txBody>
+                  <a:tcPr anchor="ctr"/>
+                </a:tc>
+                <a:tc>
+                  <a:txBody>
+                    <a:bodyPr/>
+                    <a:lstStyle/>
+                    <a:p>
+                      <a:pPr algn="ctr"/>
+                      <a:r>
+                        <a:rPr lang="en-US" altLang="zh-CN" dirty="0"/>
+                        <a:t>Initial location</a:t>
+                      </a:r>
+                      <a:endParaRPr lang="zh-CN" altLang="en-US" dirty="0"/>
+                    </a:p>
+                  </a:txBody>
+                  <a:tcPr anchor="ctr"/>
+                </a:tc>
+                <a:tc>
+                  <a:txBody>
+                    <a:bodyPr/>
+                    <a:lstStyle/>
+                    <a:p>
+                      <a:pPr algn="ctr"/>
+                      <a:r>
+                        <a:rPr lang="zh-CN" altLang="en-US" dirty="0"/>
+                        <a:t>单核时间</a:t>
+                      </a:r>
+                    </a:p>
+                  </a:txBody>
+                  <a:tcPr anchor="ctr"/>
+                </a:tc>
+                <a:extLst>
+                  <a:ext uri="{0D108BD9-81ED-4DB2-BD59-A6C34878D82A}">
+                    <a16:rowId xmlns:a16="http://schemas.microsoft.com/office/drawing/2014/main" val="1866039802"/>
+                  </a:ext>
+                </a:extLst>
+              </a:tr>
+              <a:tr h="370840">
+                <a:tc>
+                  <a:txBody>
+                    <a:bodyPr/>
+                    <a:lstStyle/>
+                    <a:p>
+                      <a:pPr algn="ctr"/>
+                      <a:r>
+                        <a:rPr lang="en-US" altLang="zh-CN" dirty="0"/>
+                        <a:t>0</a:t>
+                      </a:r>
+                      <a:endParaRPr lang="zh-CN" altLang="en-US" dirty="0"/>
+                    </a:p>
+                  </a:txBody>
+                  <a:tcPr anchor="ctr"/>
+                </a:tc>
+                <a:tc>
+                  <a:txBody>
+                    <a:bodyPr/>
+                    <a:lstStyle/>
+                    <a:p>
+                      <a:pPr algn="ctr"/>
+                      <a:r>
+                        <a:rPr lang="en-US" altLang="zh-CN" dirty="0"/>
+                        <a:t>50k</a:t>
+                      </a:r>
+                      <a:endParaRPr lang="zh-CN" altLang="en-US" dirty="0"/>
+                    </a:p>
+                  </a:txBody>
+                  <a:tcPr anchor="ctr"/>
+                </a:tc>
+                <a:tc>
+                  <a:txBody>
+                    <a:bodyPr/>
+                    <a:lstStyle/>
+                    <a:p>
+                      <a:pPr algn="ctr"/>
+                      <a:r>
+                        <a:rPr lang="en-US" altLang="zh-CN" dirty="0"/>
+                        <a:t>0, 1 </a:t>
+                      </a:r>
+                      <a:endParaRPr lang="zh-CN" altLang="en-US" dirty="0"/>
+                    </a:p>
+                  </a:txBody>
+                  <a:tcPr anchor="ctr"/>
+                </a:tc>
+                <a:tc>
+                  <a:txBody>
+                    <a:bodyPr/>
+                    <a:lstStyle/>
+                    <a:p>
+                      <a:pPr algn="ctr"/>
+                      <a:r>
+                        <a:rPr lang="en-US" altLang="zh-CN" dirty="0"/>
+                        <a:t>50</a:t>
+                      </a:r>
+                      <a:endParaRPr lang="zh-CN" altLang="en-US" dirty="0"/>
+                    </a:p>
+                  </a:txBody>
+                  <a:tcPr anchor="ctr"/>
+                </a:tc>
+                <a:extLst>
+                  <a:ext uri="{0D108BD9-81ED-4DB2-BD59-A6C34878D82A}">
+                    <a16:rowId xmlns:a16="http://schemas.microsoft.com/office/drawing/2014/main" val="702594086"/>
+                  </a:ext>
+                </a:extLst>
+              </a:tr>
+              <a:tr h="370840">
+                <a:tc>
+                  <a:txBody>
+                    <a:bodyPr/>
+                    <a:lstStyle/>
+                    <a:p>
+                      <a:pPr algn="ctr"/>
+                      <a:r>
+                        <a:rPr lang="en-US" altLang="zh-CN" dirty="0"/>
+                        <a:t>1</a:t>
+                      </a:r>
+                      <a:endParaRPr lang="zh-CN" altLang="en-US" dirty="0"/>
+                    </a:p>
+                  </a:txBody>
+                  <a:tcPr anchor="ctr"/>
+                </a:tc>
+                <a:tc>
+                  <a:txBody>
+                    <a:bodyPr/>
+                    <a:lstStyle/>
+                    <a:p>
+                      <a:pPr algn="ctr"/>
+                      <a:r>
+                        <a:rPr lang="en-US" altLang="zh-CN" dirty="0"/>
+                        <a:t>100k</a:t>
+                      </a:r>
+                      <a:endParaRPr lang="zh-CN" altLang="en-US" dirty="0"/>
+                    </a:p>
+                  </a:txBody>
+                  <a:tcPr anchor="ctr"/>
+                </a:tc>
+                <a:tc>
+                  <a:txBody>
+                    <a:bodyPr/>
+                    <a:lstStyle/>
+                    <a:p>
+                      <a:pPr algn="ctr"/>
+                      <a:r>
+                        <a:rPr lang="en-US" altLang="zh-CN" dirty="0"/>
+                        <a:t>0, 1 </a:t>
+                      </a:r>
+                      <a:endParaRPr lang="zh-CN" altLang="en-US" dirty="0"/>
+                    </a:p>
+                  </a:txBody>
+                  <a:tcPr anchor="ctr"/>
+                </a:tc>
+                <a:tc>
+                  <a:txBody>
+                    <a:bodyPr/>
+                    <a:lstStyle/>
+                    <a:p>
+                      <a:pPr algn="ctr"/>
+                      <a:r>
+                        <a:rPr lang="en-US" altLang="zh-CN" dirty="0"/>
+                        <a:t>100</a:t>
+                      </a:r>
+                      <a:endParaRPr lang="zh-CN" altLang="en-US" dirty="0"/>
+                    </a:p>
+                  </a:txBody>
+                  <a:tcPr anchor="ctr"/>
+                </a:tc>
+                <a:extLst>
+                  <a:ext uri="{0D108BD9-81ED-4DB2-BD59-A6C34878D82A}">
+                    <a16:rowId xmlns:a16="http://schemas.microsoft.com/office/drawing/2014/main" val="833841873"/>
+                  </a:ext>
+                </a:extLst>
+              </a:tr>
+              <a:tr h="370840">
+                <a:tc>
+                  <a:txBody>
+                    <a:bodyPr/>
+                    <a:lstStyle/>
+                    <a:p>
+                      <a:pPr algn="ctr"/>
+                      <a:r>
+                        <a:rPr lang="en-US" altLang="zh-CN" dirty="0"/>
+                        <a:t>2</a:t>
+                      </a:r>
+                      <a:endParaRPr lang="zh-CN" altLang="en-US" dirty="0"/>
+                    </a:p>
+                  </a:txBody>
+                  <a:tcPr anchor="ctr"/>
+                </a:tc>
+                <a:tc>
+                  <a:txBody>
+                    <a:bodyPr/>
+                    <a:lstStyle/>
+                    <a:p>
+                      <a:pPr algn="ctr"/>
+                      <a:r>
+                        <a:rPr lang="en-US" altLang="zh-CN" dirty="0"/>
+                        <a:t>500k</a:t>
+                      </a:r>
+                      <a:endParaRPr lang="zh-CN" altLang="en-US" dirty="0"/>
+                    </a:p>
+                  </a:txBody>
+                  <a:tcPr anchor="ctr"/>
+                </a:tc>
+                <a:tc>
+                  <a:txBody>
+                    <a:bodyPr/>
+                    <a:lstStyle/>
+                    <a:p>
+                      <a:pPr algn="ctr"/>
+                      <a:r>
+                        <a:rPr lang="en-US" altLang="zh-CN" dirty="0"/>
+                        <a:t>0, 1 </a:t>
+                      </a:r>
+                      <a:endParaRPr lang="zh-CN" altLang="en-US" dirty="0"/>
+                    </a:p>
+                  </a:txBody>
+                  <a:tcPr anchor="ctr"/>
+                </a:tc>
+                <a:tc>
+                  <a:txBody>
+                    <a:bodyPr/>
+                    <a:lstStyle/>
+                    <a:p>
+                      <a:pPr algn="ctr"/>
+                      <a:r>
+                        <a:rPr lang="en-US" altLang="zh-CN" dirty="0"/>
+                        <a:t>500</a:t>
+                      </a:r>
+                      <a:endParaRPr lang="zh-CN" altLang="en-US" dirty="0"/>
+                    </a:p>
+                  </a:txBody>
+                  <a:tcPr anchor="ctr"/>
+                </a:tc>
+                <a:extLst>
+                  <a:ext uri="{0D108BD9-81ED-4DB2-BD59-A6C34878D82A}">
+                    <a16:rowId xmlns:a16="http://schemas.microsoft.com/office/drawing/2014/main" val="1278777215"/>
+                  </a:ext>
+                </a:extLst>
+              </a:tr>
+            </a:tbl>
+          </a:graphicData>
+        </a:graphic>
+      </p:graphicFrame>
+    </p:spTree>
+    <p:extLst>
+      <p:ext uri="{BB962C8B-B14F-4D97-AF65-F5344CB8AC3E}">
+        <p14:creationId xmlns:p14="http://schemas.microsoft.com/office/powerpoint/2010/main" val="1947462519"/>
+      </p:ext>
+    </p:extLst>
+  </p:cSld>
+  <p:clrMapOvr>
+    <a:masterClrMapping/>
+  </p:clrMapOvr>
+</p:sld>
+</file>
+
+<file path=ppt/slides/slide9.xml><?xml version="1.0" encoding="utf-8"?>
+<p:sld xmlns:a="http://schemas.openxmlformats.org/drawingml/2006/main" xmlns:r="http://schemas.openxmlformats.org/officeDocument/2006/relationships" xmlns:p="http://schemas.openxmlformats.org/presentationml/2006/main">
+  <p:cSld>
+    <p:spTree>
+      <p:nvGrpSpPr>
+        <p:cNvPr id="1" name=""/>
+        <p:cNvGrpSpPr/>
+        <p:nvPr/>
+      </p:nvGrpSpPr>
+      <p:grpSpPr>
+        <a:xfrm>
+          <a:off x="0" y="0"/>
+          <a:ext cx="0" cy="0"/>
+          <a:chOff x="0" y="0"/>
+          <a:chExt cx="0" cy="0"/>
+        </a:xfrm>
+      </p:grpSpPr>
+      <p:graphicFrame>
+        <p:nvGraphicFramePr>
+          <p:cNvPr id="4" name="表格 4">
+            <a:extLst>
+              <a:ext uri="{FF2B5EF4-FFF2-40B4-BE49-F238E27FC236}">
+                <a16:creationId xmlns:a16="http://schemas.microsoft.com/office/drawing/2014/main" id="{44ED3898-2214-4DC3-A61B-D2C39C00373B}"/>
+              </a:ext>
+            </a:extLst>
+          </p:cNvPr>
+          <p:cNvGraphicFramePr>
+            <a:graphicFrameLocks noGrp="1"/>
+          </p:cNvGraphicFramePr>
+          <p:nvPr/>
+        </p:nvGraphicFramePr>
+        <p:xfrm>
+          <a:off x="318783" y="1157034"/>
+          <a:ext cx="5642071" cy="3235960"/>
+        </p:xfrm>
+        <a:graphic>
+          <a:graphicData uri="http://schemas.openxmlformats.org/drawingml/2006/table">
+            <a:tbl>
+              <a:tblPr firstRow="1" bandRow="1">
+                <a:tableStyleId>{5C22544A-7EE6-4342-B048-85BDC9FD1C3A}</a:tableStyleId>
+              </a:tblPr>
+              <a:tblGrid>
+                <a:gridCol w="717393">
+                  <a:extLst>
+                    <a:ext uri="{9D8B030D-6E8A-4147-A177-3AD203B41FA5}">
+                      <a16:colId xmlns:a16="http://schemas.microsoft.com/office/drawing/2014/main" val="4184140664"/>
+                    </a:ext>
+                  </a:extLst>
+                </a:gridCol>
+                <a:gridCol w="939273">
+                  <a:extLst>
+                    <a:ext uri="{9D8B030D-6E8A-4147-A177-3AD203B41FA5}">
+                      <a16:colId xmlns:a16="http://schemas.microsoft.com/office/drawing/2014/main" val="2864183225"/>
+                    </a:ext>
+                  </a:extLst>
+                </a:gridCol>
+                <a:gridCol w="1773978">
+                  <a:extLst>
+                    <a:ext uri="{9D8B030D-6E8A-4147-A177-3AD203B41FA5}">
+                      <a16:colId xmlns:a16="http://schemas.microsoft.com/office/drawing/2014/main" val="2678482924"/>
+                    </a:ext>
+                  </a:extLst>
+                </a:gridCol>
+                <a:gridCol w="2211427">
+                  <a:extLst>
+                    <a:ext uri="{9D8B030D-6E8A-4147-A177-3AD203B41FA5}">
+                      <a16:colId xmlns:a16="http://schemas.microsoft.com/office/drawing/2014/main" val="1062077956"/>
+                    </a:ext>
+                  </a:extLst>
+                </a:gridCol>
+              </a:tblGrid>
+              <a:tr h="370840">
+                <a:tc gridSpan="4">
+                  <a:txBody>
+                    <a:bodyPr/>
+                    <a:lstStyle/>
+                    <a:p>
+                      <a:pPr algn="ctr"/>
+                      <a:r>
+                        <a:rPr lang="en-US" altLang="zh-CN" dirty="0"/>
+                        <a:t>Job0  calcspeed=64  block number=6</a:t>
+                      </a:r>
+                      <a:endParaRPr lang="zh-CN" altLang="en-US" dirty="0"/>
+                    </a:p>
+                  </a:txBody>
+                  <a:tcPr anchor="ctr"/>
+                </a:tc>
+                <a:tc hMerge="1">
+                  <a:txBody>
+                    <a:bodyPr/>
+                    <a:lstStyle/>
+                    <a:p>
+                      <a:endParaRPr lang="zh-CN" altLang="en-US" dirty="0"/>
+                    </a:p>
+                  </a:txBody>
+                  <a:tcPr/>
+                </a:tc>
+                <a:tc hMerge="1">
+                  <a:txBody>
+                    <a:bodyPr/>
+                    <a:lstStyle/>
+                    <a:p>
+                      <a:endParaRPr lang="zh-CN" altLang="en-US" dirty="0"/>
+                    </a:p>
+                  </a:txBody>
+                  <a:tcPr/>
+                </a:tc>
+                <a:tc hMerge="1">
+                  <a:txBody>
+                    <a:bodyPr/>
+                    <a:lstStyle/>
+                    <a:p>
+                      <a:pPr algn="ctr"/>
+                      <a:endParaRPr lang="zh-CN" altLang="en-US" dirty="0"/>
+                    </a:p>
+                  </a:txBody>
+                  <a:tcPr anchor="ctr"/>
+                </a:tc>
+                <a:extLst>
+                  <a:ext uri="{0D108BD9-81ED-4DB2-BD59-A6C34878D82A}">
+                    <a16:rowId xmlns:a16="http://schemas.microsoft.com/office/drawing/2014/main" val="2560640880"/>
+                  </a:ext>
+                </a:extLst>
+              </a:tr>
+              <a:tr h="370840">
+                <a:tc>
+                  <a:txBody>
+                    <a:bodyPr/>
+                    <a:lstStyle/>
+                    <a:p>
+                      <a:pPr algn="ctr"/>
+                      <a:r>
+                        <a:rPr lang="en-US" altLang="zh-CN" dirty="0"/>
+                        <a:t>Block ID</a:t>
+                      </a:r>
+                      <a:endParaRPr lang="zh-CN" altLang="en-US" dirty="0"/>
+                    </a:p>
+                  </a:txBody>
+                  <a:tcPr anchor="ctr"/>
+                </a:tc>
+                <a:tc>
+                  <a:txBody>
+                    <a:bodyPr/>
+                    <a:lstStyle/>
+                    <a:p>
+                      <a:pPr algn="ctr"/>
+                      <a:r>
+                        <a:rPr lang="en-US" altLang="zh-CN" dirty="0"/>
+                        <a:t>Size</a:t>
+                      </a:r>
+                      <a:endParaRPr lang="zh-CN" altLang="en-US" dirty="0"/>
+                    </a:p>
+                  </a:txBody>
+                  <a:tcPr anchor="ctr"/>
+                </a:tc>
+                <a:tc>
+                  <a:txBody>
+                    <a:bodyPr/>
+                    <a:lstStyle/>
+                    <a:p>
+                      <a:pPr algn="ctr"/>
+                      <a:r>
+                        <a:rPr lang="en-US" altLang="zh-CN" dirty="0"/>
+                        <a:t>Initial location</a:t>
+                      </a:r>
+                      <a:endParaRPr lang="zh-CN" altLang="en-US" dirty="0"/>
+                    </a:p>
+                  </a:txBody>
+                  <a:tcPr anchor="ctr"/>
+                </a:tc>
+                <a:tc>
+                  <a:txBody>
+                    <a:bodyPr/>
+                    <a:lstStyle/>
+                    <a:p>
+                      <a:pPr algn="ctr"/>
+                      <a:r>
+                        <a:rPr lang="zh-CN" altLang="en-US" dirty="0"/>
+                        <a:t>单核时间</a:t>
+                      </a:r>
+                    </a:p>
+                  </a:txBody>
+                  <a:tcPr anchor="ctr"/>
+                </a:tc>
+                <a:extLst>
+                  <a:ext uri="{0D108BD9-81ED-4DB2-BD59-A6C34878D82A}">
+                    <a16:rowId xmlns:a16="http://schemas.microsoft.com/office/drawing/2014/main" val="1866039802"/>
+                  </a:ext>
+                </a:extLst>
+              </a:tr>
+              <a:tr h="370840">
+                <a:tc>
+                  <a:txBody>
+                    <a:bodyPr/>
+                    <a:lstStyle/>
+                    <a:p>
+                      <a:pPr algn="ctr"/>
+                      <a:r>
+                        <a:rPr lang="en-US" altLang="zh-CN" dirty="0"/>
+                        <a:t>0</a:t>
+                      </a:r>
+                      <a:endParaRPr lang="zh-CN" altLang="en-US" dirty="0"/>
+                    </a:p>
+                  </a:txBody>
+                  <a:tcPr anchor="ctr"/>
+                </a:tc>
+                <a:tc>
+                  <a:txBody>
+                    <a:bodyPr/>
+                    <a:lstStyle/>
+                    <a:p>
+                      <a:pPr algn="ctr"/>
+                      <a:r>
+                        <a:rPr lang="en-US" altLang="zh-CN" dirty="0"/>
+                        <a:t>32</a:t>
+                      </a:r>
+                      <a:endParaRPr lang="zh-CN" altLang="en-US" dirty="0"/>
+                    </a:p>
+                  </a:txBody>
+                  <a:tcPr anchor="ctr"/>
+                </a:tc>
+                <a:tc>
+                  <a:txBody>
+                    <a:bodyPr/>
+                    <a:lstStyle/>
+                    <a:p>
+                      <a:pPr algn="ctr"/>
+                      <a:r>
+                        <a:rPr lang="en-US" altLang="zh-CN" dirty="0"/>
+                        <a:t>0, 1</a:t>
+                      </a:r>
+                      <a:endParaRPr lang="zh-CN" altLang="en-US" dirty="0"/>
+                    </a:p>
+                  </a:txBody>
+                  <a:tcPr anchor="ctr"/>
+                </a:tc>
+                <a:tc>
+                  <a:txBody>
+                    <a:bodyPr/>
+                    <a:lstStyle/>
+                    <a:p>
+                      <a:pPr algn="ctr"/>
+                      <a:r>
+                        <a:rPr lang="en-US" altLang="zh-CN" dirty="0"/>
+                        <a:t>0.5</a:t>
+                      </a:r>
+                      <a:endParaRPr lang="zh-CN" altLang="en-US" dirty="0"/>
+                    </a:p>
+                  </a:txBody>
+                  <a:tcPr anchor="ctr"/>
+                </a:tc>
+                <a:extLst>
+                  <a:ext uri="{0D108BD9-81ED-4DB2-BD59-A6C34878D82A}">
+                    <a16:rowId xmlns:a16="http://schemas.microsoft.com/office/drawing/2014/main" val="702594086"/>
+                  </a:ext>
+                </a:extLst>
+              </a:tr>
+              <a:tr h="370840">
+                <a:tc>
+                  <a:txBody>
+                    <a:bodyPr/>
+                    <a:lstStyle/>
+                    <a:p>
+                      <a:pPr algn="ctr"/>
+                      <a:r>
+                        <a:rPr lang="en-US" altLang="zh-CN" dirty="0"/>
+                        <a:t>1</a:t>
+                      </a:r>
+                      <a:endParaRPr lang="zh-CN" altLang="en-US" dirty="0"/>
+                    </a:p>
+                  </a:txBody>
+                  <a:tcPr anchor="ctr"/>
+                </a:tc>
+                <a:tc>
+                  <a:txBody>
+                    <a:bodyPr/>
+                    <a:lstStyle/>
+                    <a:p>
+                      <a:pPr algn="ctr"/>
+                      <a:r>
+                        <a:rPr lang="en-US" altLang="zh-CN" dirty="0"/>
+                        <a:t>128</a:t>
+                      </a:r>
+                      <a:endParaRPr lang="zh-CN" altLang="en-US" dirty="0"/>
+                    </a:p>
+                  </a:txBody>
+                  <a:tcPr anchor="ctr"/>
+                </a:tc>
+                <a:tc>
+                  <a:txBody>
+                    <a:bodyPr/>
+                    <a:lstStyle/>
+                    <a:p>
+                      <a:pPr algn="ctr"/>
+                      <a:r>
+                        <a:rPr lang="en-US" altLang="zh-CN" dirty="0"/>
+                        <a:t>0, 1</a:t>
+                      </a:r>
+                      <a:endParaRPr lang="zh-CN" altLang="en-US" dirty="0"/>
+                    </a:p>
+                  </a:txBody>
+                  <a:tcPr anchor="ctr"/>
+                </a:tc>
+                <a:tc>
+                  <a:txBody>
+                    <a:bodyPr/>
+                    <a:lstStyle/>
+                    <a:p>
+                      <a:pPr algn="ctr"/>
+                      <a:r>
+                        <a:rPr lang="en-US" altLang="zh-CN" dirty="0"/>
+                        <a:t>2</a:t>
+                      </a:r>
+                      <a:endParaRPr lang="zh-CN" altLang="en-US" dirty="0"/>
+                    </a:p>
+                  </a:txBody>
+                  <a:tcPr anchor="ctr"/>
+                </a:tc>
+                <a:extLst>
+                  <a:ext uri="{0D108BD9-81ED-4DB2-BD59-A6C34878D82A}">
+                    <a16:rowId xmlns:a16="http://schemas.microsoft.com/office/drawing/2014/main" val="833841873"/>
+                  </a:ext>
+                </a:extLst>
+              </a:tr>
+              <a:tr h="370840">
+                <a:tc>
+                  <a:txBody>
+                    <a:bodyPr/>
+                    <a:lstStyle/>
+                    <a:p>
+                      <a:pPr algn="ctr"/>
+                      <a:r>
+                        <a:rPr lang="en-US" altLang="zh-CN" dirty="0"/>
+                        <a:t>2</a:t>
+                      </a:r>
+                      <a:endParaRPr lang="zh-CN" altLang="en-US" dirty="0"/>
+                    </a:p>
+                  </a:txBody>
+                  <a:tcPr anchor="ctr"/>
+                </a:tc>
+                <a:tc>
+                  <a:txBody>
+                    <a:bodyPr/>
+                    <a:lstStyle/>
+                    <a:p>
+                      <a:pPr algn="ctr"/>
+                      <a:r>
+                        <a:rPr lang="en-US" altLang="zh-CN" dirty="0"/>
+                        <a:t>512</a:t>
+                      </a:r>
+                      <a:endParaRPr lang="zh-CN" altLang="en-US" dirty="0"/>
+                    </a:p>
+                  </a:txBody>
+                  <a:tcPr anchor="ctr"/>
+                </a:tc>
+                <a:tc>
+                  <a:txBody>
+                    <a:bodyPr/>
+                    <a:lstStyle/>
+                    <a:p>
+                      <a:pPr algn="ctr"/>
+                      <a:r>
+                        <a:rPr lang="en-US" altLang="zh-CN" dirty="0"/>
+                        <a:t>0, 1</a:t>
+                      </a:r>
+                      <a:endParaRPr lang="zh-CN" altLang="en-US" dirty="0"/>
+                    </a:p>
+                  </a:txBody>
+                  <a:tcPr anchor="ctr"/>
+                </a:tc>
+                <a:tc>
+                  <a:txBody>
+                    <a:bodyPr/>
+                    <a:lstStyle/>
+                    <a:p>
+                      <a:pPr algn="ctr"/>
+                      <a:r>
+                        <a:rPr lang="en-US" altLang="zh-CN" dirty="0"/>
+                        <a:t>8</a:t>
+                      </a:r>
+                      <a:endParaRPr lang="zh-CN" altLang="en-US" dirty="0"/>
+                    </a:p>
+                  </a:txBody>
+                  <a:tcPr anchor="ctr"/>
+                </a:tc>
+                <a:extLst>
+                  <a:ext uri="{0D108BD9-81ED-4DB2-BD59-A6C34878D82A}">
+                    <a16:rowId xmlns:a16="http://schemas.microsoft.com/office/drawing/2014/main" val="2039409488"/>
+                  </a:ext>
+                </a:extLst>
+              </a:tr>
+              <a:tr h="370840">
+                <a:tc>
+                  <a:txBody>
+                    <a:bodyPr/>
+                    <a:lstStyle/>
+                    <a:p>
+                      <a:pPr algn="ctr"/>
+                      <a:r>
+                        <a:rPr lang="en-US" altLang="zh-CN" dirty="0"/>
+                        <a:t>3</a:t>
+                      </a:r>
+                      <a:endParaRPr lang="zh-CN" altLang="en-US" dirty="0"/>
+                    </a:p>
+                  </a:txBody>
+                  <a:tcPr anchor="ctr"/>
+                </a:tc>
+                <a:tc>
+                  <a:txBody>
+                    <a:bodyPr/>
+                    <a:lstStyle/>
+                    <a:p>
+                      <a:pPr algn="ctr"/>
+                      <a:r>
+                        <a:rPr lang="en-US" altLang="zh-CN" dirty="0"/>
+                        <a:t>2048</a:t>
+                      </a:r>
+                      <a:endParaRPr lang="zh-CN" altLang="en-US" dirty="0"/>
+                    </a:p>
+                  </a:txBody>
+                  <a:tcPr anchor="ctr"/>
+                </a:tc>
+                <a:tc>
+                  <a:txBody>
+                    <a:bodyPr/>
+                    <a:lstStyle/>
+                    <a:p>
+                      <a:pPr algn="ctr"/>
+                      <a:r>
+                        <a:rPr lang="en-US" altLang="zh-CN" dirty="0"/>
+                        <a:t>0, 1</a:t>
+                      </a:r>
+                      <a:endParaRPr lang="zh-CN" altLang="en-US" dirty="0"/>
+                    </a:p>
+                  </a:txBody>
+                  <a:tcPr anchor="ctr"/>
+                </a:tc>
+                <a:tc>
+                  <a:txBody>
+                    <a:bodyPr/>
+                    <a:lstStyle/>
+                    <a:p>
+                      <a:pPr algn="ctr"/>
+                      <a:r>
+                        <a:rPr lang="en-US" altLang="zh-CN" dirty="0"/>
+                        <a:t>32</a:t>
+                      </a:r>
+                      <a:endParaRPr lang="zh-CN" altLang="en-US" dirty="0"/>
+                    </a:p>
+                  </a:txBody>
+                  <a:tcPr anchor="ctr"/>
+                </a:tc>
+                <a:extLst>
+                  <a:ext uri="{0D108BD9-81ED-4DB2-BD59-A6C34878D82A}">
+                    <a16:rowId xmlns:a16="http://schemas.microsoft.com/office/drawing/2014/main" val="2173885226"/>
+                  </a:ext>
+                </a:extLst>
+              </a:tr>
+              <a:tr h="370840">
+                <a:tc>
+                  <a:txBody>
+                    <a:bodyPr/>
+                    <a:lstStyle/>
+                    <a:p>
+                      <a:pPr algn="ctr"/>
+                      <a:r>
+                        <a:rPr lang="en-US" altLang="zh-CN" dirty="0"/>
+                        <a:t>4</a:t>
+                      </a:r>
+                      <a:endParaRPr lang="zh-CN" altLang="en-US" dirty="0"/>
+                    </a:p>
+                  </a:txBody>
+                  <a:tcPr anchor="ctr"/>
+                </a:tc>
+                <a:tc>
+                  <a:txBody>
+                    <a:bodyPr/>
+                    <a:lstStyle/>
+                    <a:p>
+                      <a:pPr algn="ctr"/>
+                      <a:r>
+                        <a:rPr lang="en-US" altLang="zh-CN" dirty="0"/>
+                        <a:t>8192</a:t>
+                      </a:r>
+                      <a:endParaRPr lang="zh-CN" altLang="en-US" dirty="0"/>
+                    </a:p>
+                  </a:txBody>
+                  <a:tcPr anchor="ctr"/>
+                </a:tc>
+                <a:tc>
+                  <a:txBody>
+                    <a:bodyPr/>
+                    <a:lstStyle/>
+                    <a:p>
+                      <a:pPr algn="ctr"/>
+                      <a:r>
+                        <a:rPr lang="en-US" altLang="zh-CN" dirty="0"/>
+                        <a:t>0, 1</a:t>
+                      </a:r>
+                      <a:endParaRPr lang="zh-CN" altLang="en-US" dirty="0"/>
+                    </a:p>
+                  </a:txBody>
+                  <a:tcPr anchor="ctr"/>
+                </a:tc>
+                <a:tc>
+                  <a:txBody>
+                    <a:bodyPr/>
+                    <a:lstStyle/>
+                    <a:p>
+                      <a:pPr algn="ctr"/>
+                      <a:r>
+                        <a:rPr lang="en-US" altLang="zh-CN" dirty="0"/>
+                        <a:t>128</a:t>
+                      </a:r>
+                      <a:endParaRPr lang="zh-CN" altLang="en-US" dirty="0"/>
+                    </a:p>
+                  </a:txBody>
+                  <a:tcPr anchor="ctr"/>
+                </a:tc>
+                <a:extLst>
+                  <a:ext uri="{0D108BD9-81ED-4DB2-BD59-A6C34878D82A}">
+                    <a16:rowId xmlns:a16="http://schemas.microsoft.com/office/drawing/2014/main" val="4130955225"/>
+                  </a:ext>
+                </a:extLst>
+              </a:tr>
+              <a:tr h="370840">
+                <a:tc>
+                  <a:txBody>
+                    <a:bodyPr/>
+                    <a:lstStyle/>
+                    <a:p>
+                      <a:pPr algn="ctr"/>
+                      <a:r>
+                        <a:rPr lang="en-US" altLang="zh-CN" dirty="0"/>
+                        <a:t>5</a:t>
+                      </a:r>
+                      <a:endParaRPr lang="zh-CN" altLang="en-US" dirty="0"/>
+                    </a:p>
+                  </a:txBody>
+                  <a:tcPr anchor="ctr"/>
+                </a:tc>
+                <a:tc>
+                  <a:txBody>
+                    <a:bodyPr/>
+                    <a:lstStyle/>
+                    <a:p>
+                      <a:pPr algn="ctr"/>
+                      <a:r>
+                        <a:rPr lang="en-US" altLang="zh-CN" dirty="0"/>
+                        <a:t>32768</a:t>
+                      </a:r>
+                      <a:endParaRPr lang="zh-CN" altLang="en-US" dirty="0"/>
+                    </a:p>
+                  </a:txBody>
+                  <a:tcPr anchor="ctr"/>
+                </a:tc>
+                <a:tc>
+                  <a:txBody>
+                    <a:bodyPr/>
+                    <a:lstStyle/>
+                    <a:p>
+                      <a:pPr algn="ctr"/>
+                      <a:r>
+                        <a:rPr lang="en-US" altLang="zh-CN" dirty="0"/>
+                        <a:t>0, 1</a:t>
+                      </a:r>
+                      <a:endParaRPr lang="zh-CN" altLang="en-US" dirty="0"/>
+                    </a:p>
+                  </a:txBody>
+                  <a:tcPr anchor="ctr"/>
+                </a:tc>
+                <a:tc>
+                  <a:txBody>
+                    <a:bodyPr/>
+                    <a:lstStyle/>
+                    <a:p>
+                      <a:pPr algn="ctr"/>
+                      <a:r>
+                        <a:rPr lang="en-US" altLang="zh-CN" dirty="0"/>
+                        <a:t>512</a:t>
+                      </a:r>
+                      <a:endParaRPr lang="zh-CN" altLang="en-US" dirty="0"/>
+                    </a:p>
+                  </a:txBody>
+                  <a:tcPr anchor="ctr"/>
+                </a:tc>
+                <a:extLst>
+                  <a:ext uri="{0D108BD9-81ED-4DB2-BD59-A6C34878D82A}">
+                    <a16:rowId xmlns:a16="http://schemas.microsoft.com/office/drawing/2014/main" val="9581244"/>
+                  </a:ext>
+                </a:extLst>
+              </a:tr>
+            </a:tbl>
+          </a:graphicData>
+        </a:graphic>
+      </p:graphicFrame>
+      <p:graphicFrame>
+        <p:nvGraphicFramePr>
+          <p:cNvPr id="5" name="表格 4">
+            <a:extLst>
+              <a:ext uri="{FF2B5EF4-FFF2-40B4-BE49-F238E27FC236}">
+                <a16:creationId xmlns:a16="http://schemas.microsoft.com/office/drawing/2014/main" id="{4CCA2F57-6067-4CCB-8171-3DBEE83A7EBD}"/>
+              </a:ext>
+            </a:extLst>
+          </p:cNvPr>
+          <p:cNvGraphicFramePr>
+            <a:graphicFrameLocks noGrp="1"/>
+          </p:cNvGraphicFramePr>
+          <p:nvPr/>
+        </p:nvGraphicFramePr>
+        <p:xfrm>
+          <a:off x="318783" y="4453578"/>
+          <a:ext cx="5642070" cy="2118360"/>
+        </p:xfrm>
+        <a:graphic>
+          <a:graphicData uri="http://schemas.openxmlformats.org/drawingml/2006/table">
+            <a:tbl>
+              <a:tblPr firstRow="1" bandRow="1">
+                <a:tableStyleId>{5C22544A-7EE6-4342-B048-85BDC9FD1C3A}</a:tableStyleId>
+              </a:tblPr>
+              <a:tblGrid>
+                <a:gridCol w="819904">
+                  <a:extLst>
+                    <a:ext uri="{9D8B030D-6E8A-4147-A177-3AD203B41FA5}">
+                      <a16:colId xmlns:a16="http://schemas.microsoft.com/office/drawing/2014/main" val="4184140664"/>
+                    </a:ext>
+                  </a:extLst>
+                </a:gridCol>
+                <a:gridCol w="923026">
+                  <a:extLst>
+                    <a:ext uri="{9D8B030D-6E8A-4147-A177-3AD203B41FA5}">
+                      <a16:colId xmlns:a16="http://schemas.microsoft.com/office/drawing/2014/main" val="2864183225"/>
+                    </a:ext>
+                  </a:extLst>
+                </a:gridCol>
+                <a:gridCol w="1687713">
+                  <a:extLst>
+                    <a:ext uri="{9D8B030D-6E8A-4147-A177-3AD203B41FA5}">
+                      <a16:colId xmlns:a16="http://schemas.microsoft.com/office/drawing/2014/main" val="2678482924"/>
+                    </a:ext>
+                  </a:extLst>
+                </a:gridCol>
+                <a:gridCol w="2211427">
+                  <a:extLst>
+                    <a:ext uri="{9D8B030D-6E8A-4147-A177-3AD203B41FA5}">
+                      <a16:colId xmlns:a16="http://schemas.microsoft.com/office/drawing/2014/main" val="3191097849"/>
+                    </a:ext>
+                  </a:extLst>
+                </a:gridCol>
+              </a:tblGrid>
+              <a:tr h="0">
+                <a:tc gridSpan="4">
+                  <a:txBody>
+                    <a:bodyPr/>
+                    <a:lstStyle/>
+                    <a:p>
+                      <a:pPr algn="ctr"/>
+                      <a:r>
+                        <a:rPr lang="en-US" altLang="zh-CN" dirty="0"/>
+                        <a:t>Job1  calcspeed=1000  block number=4</a:t>
+                      </a:r>
+                      <a:endParaRPr lang="zh-CN" altLang="en-US" dirty="0"/>
+                    </a:p>
+                  </a:txBody>
+                  <a:tcPr anchor="ctr"/>
+                </a:tc>
+                <a:tc hMerge="1">
+                  <a:txBody>
+                    <a:bodyPr/>
+                    <a:lstStyle/>
+                    <a:p>
+                      <a:endParaRPr lang="zh-CN" altLang="en-US" dirty="0"/>
+                    </a:p>
+                  </a:txBody>
+                  <a:tcPr/>
+                </a:tc>
+                <a:tc hMerge="1">
+                  <a:txBody>
+                    <a:bodyPr/>
+                    <a:lstStyle/>
+                    <a:p>
+                      <a:endParaRPr lang="zh-CN" altLang="en-US" dirty="0"/>
+                    </a:p>
+                  </a:txBody>
+                  <a:tcPr/>
+                </a:tc>
+                <a:tc hMerge="1">
+                  <a:txBody>
+                    <a:bodyPr/>
+                    <a:lstStyle/>
+                    <a:p>
+                      <a:pPr algn="ctr"/>
+                      <a:endParaRPr lang="zh-CN" altLang="en-US" dirty="0"/>
+                    </a:p>
+                  </a:txBody>
+                  <a:tcPr anchor="ctr"/>
+                </a:tc>
+                <a:extLst>
+                  <a:ext uri="{0D108BD9-81ED-4DB2-BD59-A6C34878D82A}">
+                    <a16:rowId xmlns:a16="http://schemas.microsoft.com/office/drawing/2014/main" val="2560640880"/>
+                  </a:ext>
+                </a:extLst>
+              </a:tr>
+              <a:tr h="370840">
+                <a:tc>
+                  <a:txBody>
+                    <a:bodyPr/>
+                    <a:lstStyle/>
+                    <a:p>
+                      <a:pPr algn="ctr"/>
+                      <a:r>
+                        <a:rPr lang="en-US" altLang="zh-CN" dirty="0"/>
+                        <a:t>Block ID</a:t>
+                      </a:r>
+                      <a:endParaRPr lang="zh-CN" altLang="en-US" dirty="0"/>
+                    </a:p>
+                  </a:txBody>
+                  <a:tcPr anchor="ctr"/>
+                </a:tc>
+                <a:tc>
+                  <a:txBody>
+                    <a:bodyPr/>
+                    <a:lstStyle/>
+                    <a:p>
+                      <a:pPr algn="ctr"/>
+                      <a:r>
+                        <a:rPr lang="en-US" altLang="zh-CN" dirty="0"/>
+                        <a:t>Size</a:t>
+                      </a:r>
+                      <a:endParaRPr lang="zh-CN" altLang="en-US" dirty="0"/>
+                    </a:p>
+                  </a:txBody>
+                  <a:tcPr anchor="ctr"/>
+                </a:tc>
+                <a:tc>
+                  <a:txBody>
+                    <a:bodyPr/>
+                    <a:lstStyle/>
+                    <a:p>
+                      <a:pPr algn="ctr"/>
+                      <a:r>
+                        <a:rPr lang="en-US" altLang="zh-CN" dirty="0"/>
+                        <a:t>Initial location</a:t>
+                      </a:r>
+                      <a:endParaRPr lang="zh-CN" altLang="en-US" dirty="0"/>
+                    </a:p>
+                  </a:txBody>
+                  <a:tcPr anchor="ctr"/>
+                </a:tc>
+                <a:tc>
+                  <a:txBody>
+                    <a:bodyPr/>
+                    <a:lstStyle/>
+                    <a:p>
+                      <a:pPr marL="0" marR="0" lvl="0" indent="0" algn="ctr" defTabSz="914400" rtl="0" eaLnBrk="1" fontAlgn="auto" latinLnBrk="0" hangingPunct="1">
+                        <a:lnSpc>
+                          <a:spcPct val="100000"/>
+                        </a:lnSpc>
+                        <a:spcBef>
+                          <a:spcPts val="0"/>
+                        </a:spcBef>
+                        <a:spcAft>
+                          <a:spcPts val="0"/>
+                        </a:spcAft>
+                        <a:buClrTx/>
+                        <a:buSzTx/>
+                        <a:buFontTx/>
+                        <a:buNone/>
+                        <a:tabLst/>
+                        <a:defRPr/>
+                      </a:pPr>
+                      <a:r>
+                        <a:rPr lang="zh-CN" altLang="en-US" dirty="0"/>
+                        <a:t>单核时间</a:t>
+                      </a:r>
+                    </a:p>
+                  </a:txBody>
+                  <a:tcPr anchor="ctr"/>
+                </a:tc>
+                <a:extLst>
+                  <a:ext uri="{0D108BD9-81ED-4DB2-BD59-A6C34878D82A}">
+                    <a16:rowId xmlns:a16="http://schemas.microsoft.com/office/drawing/2014/main" val="1866039802"/>
+                  </a:ext>
+                </a:extLst>
+              </a:tr>
+              <a:tr h="370840">
+                <a:tc>
+                  <a:txBody>
+                    <a:bodyPr/>
+                    <a:lstStyle/>
+                    <a:p>
+                      <a:pPr algn="ctr"/>
+                      <a:r>
+                        <a:rPr lang="en-US" altLang="zh-CN" dirty="0"/>
+                        <a:t>0</a:t>
+                      </a:r>
+                      <a:endParaRPr lang="zh-CN" altLang="en-US" dirty="0"/>
+                    </a:p>
+                  </a:txBody>
+                  <a:tcPr anchor="ctr"/>
+                </a:tc>
+                <a:tc>
+                  <a:txBody>
+                    <a:bodyPr/>
+                    <a:lstStyle/>
+                    <a:p>
+                      <a:pPr algn="ctr"/>
+                      <a:r>
+                        <a:rPr lang="en-US" altLang="zh-CN" dirty="0"/>
+                        <a:t>5k</a:t>
+                      </a:r>
+                      <a:endParaRPr lang="zh-CN" altLang="en-US" dirty="0"/>
+                    </a:p>
+                  </a:txBody>
+                  <a:tcPr anchor="ctr"/>
+                </a:tc>
+                <a:tc>
+                  <a:txBody>
+                    <a:bodyPr/>
+                    <a:lstStyle/>
+                    <a:p>
+                      <a:pPr algn="ctr"/>
+                      <a:r>
+                        <a:rPr lang="en-US" altLang="zh-CN" dirty="0"/>
+                        <a:t>0, 2</a:t>
+                      </a:r>
+                      <a:endParaRPr lang="zh-CN" altLang="en-US" dirty="0"/>
+                    </a:p>
+                  </a:txBody>
+                  <a:tcPr anchor="ctr"/>
+                </a:tc>
+                <a:tc>
+                  <a:txBody>
+                    <a:bodyPr/>
+                    <a:lstStyle/>
+                    <a:p>
+                      <a:pPr algn="ctr"/>
+                      <a:r>
+                        <a:rPr lang="en-US" altLang="zh-CN" dirty="0"/>
+                        <a:t>5</a:t>
+                      </a:r>
+                      <a:endParaRPr lang="zh-CN" altLang="en-US" dirty="0"/>
+                    </a:p>
+                  </a:txBody>
+                  <a:tcPr anchor="ctr"/>
+                </a:tc>
+                <a:extLst>
+                  <a:ext uri="{0D108BD9-81ED-4DB2-BD59-A6C34878D82A}">
+                    <a16:rowId xmlns:a16="http://schemas.microsoft.com/office/drawing/2014/main" val="702594086"/>
+                  </a:ext>
+                </a:extLst>
+              </a:tr>
+              <a:tr h="370840">
+                <a:tc>
+                  <a:txBody>
+                    <a:bodyPr/>
+                    <a:lstStyle/>
+                    <a:p>
+                      <a:pPr algn="ctr"/>
+                      <a:r>
+                        <a:rPr lang="en-US" altLang="zh-CN" dirty="0"/>
+                        <a:t>1</a:t>
+                      </a:r>
+                      <a:endParaRPr lang="zh-CN" altLang="en-US" dirty="0"/>
+                    </a:p>
+                  </a:txBody>
+                  <a:tcPr anchor="ctr"/>
+                </a:tc>
+                <a:tc>
+                  <a:txBody>
+                    <a:bodyPr/>
+                    <a:lstStyle/>
+                    <a:p>
+                      <a:pPr algn="ctr"/>
+                      <a:r>
+                        <a:rPr lang="en-US" altLang="zh-CN" dirty="0"/>
+                        <a:t>5k</a:t>
+                      </a:r>
+                      <a:endParaRPr lang="zh-CN" altLang="en-US" dirty="0"/>
+                    </a:p>
+                  </a:txBody>
+                  <a:tcPr anchor="ctr"/>
+                </a:tc>
+                <a:tc>
+                  <a:txBody>
+                    <a:bodyPr/>
+                    <a:lstStyle/>
+                    <a:p>
+                      <a:pPr algn="ctr"/>
+                      <a:r>
+                        <a:rPr lang="en-US" altLang="zh-CN" dirty="0"/>
+                        <a:t>0, 2</a:t>
+                      </a:r>
+                      <a:endParaRPr lang="zh-CN" altLang="en-US" dirty="0"/>
+                    </a:p>
+                  </a:txBody>
+                  <a:tcPr anchor="ctr"/>
+                </a:tc>
+                <a:tc>
+                  <a:txBody>
+                    <a:bodyPr/>
+                    <a:lstStyle/>
+                    <a:p>
+                      <a:pPr algn="ctr"/>
+                      <a:r>
+                        <a:rPr lang="en-US" altLang="zh-CN" dirty="0"/>
+                        <a:t>5</a:t>
+                      </a:r>
+                      <a:endParaRPr lang="zh-CN" altLang="en-US" dirty="0"/>
+                    </a:p>
+                  </a:txBody>
+                  <a:tcPr anchor="ctr"/>
+                </a:tc>
+                <a:extLst>
+                  <a:ext uri="{0D108BD9-81ED-4DB2-BD59-A6C34878D82A}">
+                    <a16:rowId xmlns:a16="http://schemas.microsoft.com/office/drawing/2014/main" val="833841873"/>
+                  </a:ext>
+                </a:extLst>
+              </a:tr>
+              <a:tr h="370840">
+                <a:tc>
+                  <a:txBody>
+                    <a:bodyPr/>
+                    <a:lstStyle/>
+                    <a:p>
+                      <a:pPr algn="ctr"/>
+                      <a:r>
+                        <a:rPr lang="en-US" altLang="zh-CN" dirty="0"/>
+                        <a:t>2</a:t>
+                      </a:r>
+                      <a:endParaRPr lang="zh-CN" altLang="en-US" dirty="0"/>
+                    </a:p>
+                  </a:txBody>
+                  <a:tcPr anchor="ctr"/>
+                </a:tc>
+                <a:tc>
+                  <a:txBody>
+                    <a:bodyPr/>
+                    <a:lstStyle/>
+                    <a:p>
+                      <a:pPr algn="ctr"/>
+                      <a:r>
+                        <a:rPr lang="en-US" altLang="zh-CN" dirty="0"/>
+                        <a:t>50k</a:t>
+                      </a:r>
+                      <a:endParaRPr lang="zh-CN" altLang="en-US" dirty="0"/>
+                    </a:p>
+                  </a:txBody>
+                  <a:tcPr anchor="ctr"/>
+                </a:tc>
+                <a:tc>
+                  <a:txBody>
+                    <a:bodyPr/>
+                    <a:lstStyle/>
+                    <a:p>
+                      <a:pPr algn="ctr"/>
+                      <a:r>
+                        <a:rPr lang="en-US" altLang="zh-CN" dirty="0"/>
+                        <a:t>0, 2</a:t>
+                      </a:r>
+                      <a:endParaRPr lang="zh-CN" altLang="en-US" dirty="0"/>
+                    </a:p>
+                  </a:txBody>
+                  <a:tcPr anchor="ctr"/>
+                </a:tc>
+                <a:tc>
+                  <a:txBody>
+                    <a:bodyPr/>
+                    <a:lstStyle/>
+                    <a:p>
+                      <a:pPr algn="ctr"/>
+                      <a:r>
+                        <a:rPr lang="en-US" altLang="zh-CN" dirty="0"/>
+                        <a:t>50</a:t>
+                      </a:r>
+                      <a:endParaRPr lang="zh-CN" altLang="en-US" dirty="0"/>
+                    </a:p>
+                  </a:txBody>
+                  <a:tcPr anchor="ctr"/>
+                </a:tc>
+                <a:extLst>
+                  <a:ext uri="{0D108BD9-81ED-4DB2-BD59-A6C34878D82A}">
+                    <a16:rowId xmlns:a16="http://schemas.microsoft.com/office/drawing/2014/main" val="2039409488"/>
+                  </a:ext>
+                </a:extLst>
+              </a:tr>
+            </a:tbl>
+          </a:graphicData>
+        </a:graphic>
+      </p:graphicFrame>
+      <p:sp>
+        <p:nvSpPr>
+          <p:cNvPr id="6" name="矩形 5">
+            <a:extLst>
+              <a:ext uri="{FF2B5EF4-FFF2-40B4-BE49-F238E27FC236}">
+                <a16:creationId xmlns:a16="http://schemas.microsoft.com/office/drawing/2014/main" id="{D775489E-7554-4CB3-9291-418AEB8A414F}"/>
+              </a:ext>
+            </a:extLst>
+          </p:cNvPr>
+          <p:cNvSpPr/>
+          <p:nvPr/>
+        </p:nvSpPr>
+        <p:spPr>
+          <a:xfrm>
+            <a:off x="318782" y="282711"/>
+            <a:ext cx="2499919" cy="716429"/>
+          </a:xfrm>
+          <a:prstGeom prst="rect">
+            <a:avLst/>
+          </a:prstGeom>
+          <a:solidFill>
+            <a:srgbClr val="002060"/>
+          </a:solidFill>
+        </p:spPr>
+        <p:style>
+          <a:lnRef idx="1">
+            <a:schemeClr val="accent5"/>
+          </a:lnRef>
+          <a:fillRef idx="3">
+            <a:schemeClr val="accent5"/>
+          </a:fillRef>
+          <a:effectRef idx="2">
+            <a:schemeClr val="accent5"/>
+          </a:effectRef>
+          <a:fontRef idx="minor">
+            <a:schemeClr val="lt1"/>
+          </a:fontRef>
+        </p:style>
+        <p:txBody>
+          <a:bodyPr rtlCol="0" anchor="ctr"/>
+          <a:lstStyle/>
+          <a:p>
+            <a:pPr algn="ctr"/>
+            <a:r>
+              <a:rPr lang="en-US" altLang="zh-CN" sz="3200" dirty="0"/>
+              <a:t>Use Case 4</a:t>
+            </a:r>
+            <a:endParaRPr lang="zh-CN" altLang="en-US" sz="3200" dirty="0"/>
+          </a:p>
+        </p:txBody>
+      </p:sp>
+      <p:sp>
+        <p:nvSpPr>
+          <p:cNvPr id="11" name="标题 1">
+            <a:extLst>
+              <a:ext uri="{FF2B5EF4-FFF2-40B4-BE49-F238E27FC236}">
+                <a16:creationId xmlns:a16="http://schemas.microsoft.com/office/drawing/2014/main" id="{B3211C3A-A333-4038-B62B-0907D43FA202}"/>
+              </a:ext>
+            </a:extLst>
+          </p:cNvPr>
+          <p:cNvSpPr txBox="1">
+            <a:spLocks/>
+          </p:cNvSpPr>
+          <p:nvPr/>
+        </p:nvSpPr>
+        <p:spPr>
+          <a:xfrm>
+            <a:off x="2912914" y="286062"/>
+            <a:ext cx="2561440" cy="540261"/>
+          </a:xfrm>
+          <a:prstGeom prst="rect">
+            <a:avLst/>
+          </a:prstGeom>
+        </p:spPr>
+        <p:txBody>
+          <a:bodyPr vert="horz" lIns="91440" tIns="45720" rIns="91440" bIns="45720" rtlCol="0" anchor="b">
+            <a:normAutofit fontScale="77500" lnSpcReduction="20000"/>
+          </a:bodyPr>
+          <a:lstStyle>
+            <a:lvl1pPr algn="ctr" defTabSz="914400" rtl="0" eaLnBrk="1" latinLnBrk="0" hangingPunct="1">
+              <a:lnSpc>
+                <a:spcPct val="90000"/>
+              </a:lnSpc>
+              <a:spcBef>
+                <a:spcPct val="0"/>
+              </a:spcBef>
+              <a:buNone/>
+              <a:defRPr sz="6000" kern="1200">
+                <a:solidFill>
+                  <a:schemeClr val="tx1"/>
+                </a:solidFill>
+                <a:latin typeface="+mj-lt"/>
+                <a:ea typeface="+mj-ea"/>
+                <a:cs typeface="+mj-cs"/>
+              </a:defRPr>
+            </a:lvl1pPr>
+          </a:lstStyle>
+          <a:p>
+            <a:pPr marL="457200" indent="-457200" algn="l">
+              <a:buFont typeface="Arial" panose="020B0604020202020204" pitchFamily="34" charset="0"/>
+              <a:buChar char="•"/>
+            </a:pPr>
+            <a:r>
+              <a:rPr lang="en-US" altLang="zh-CN" sz="2800" dirty="0"/>
+              <a:t>G(n)=1-0.1(n-1)</a:t>
+            </a:r>
+            <a:endParaRPr lang="zh-CN" altLang="en-US" sz="2800" dirty="0"/>
+          </a:p>
+        </p:txBody>
+      </p:sp>
+      <p:sp>
+        <p:nvSpPr>
+          <p:cNvPr id="12" name="标题 1">
+            <a:extLst>
+              <a:ext uri="{FF2B5EF4-FFF2-40B4-BE49-F238E27FC236}">
+                <a16:creationId xmlns:a16="http://schemas.microsoft.com/office/drawing/2014/main" id="{BD2645CC-F6CB-4872-A337-2D2F01B902DB}"/>
+              </a:ext>
+            </a:extLst>
+          </p:cNvPr>
+          <p:cNvSpPr txBox="1">
+            <a:spLocks/>
+          </p:cNvSpPr>
+          <p:nvPr/>
+        </p:nvSpPr>
+        <p:spPr>
+          <a:xfrm>
+            <a:off x="6135664" y="286062"/>
+            <a:ext cx="2561440" cy="540261"/>
+          </a:xfrm>
+          <a:prstGeom prst="rect">
+            <a:avLst/>
+          </a:prstGeom>
+        </p:spPr>
+        <p:txBody>
+          <a:bodyPr vert="horz" lIns="91440" tIns="45720" rIns="91440" bIns="45720" rtlCol="0" anchor="b">
+            <a:normAutofit/>
+          </a:bodyPr>
+          <a:lstStyle>
+            <a:lvl1pPr algn="ctr" defTabSz="914400" rtl="0" eaLnBrk="1" latinLnBrk="0" hangingPunct="1">
+              <a:lnSpc>
+                <a:spcPct val="90000"/>
+              </a:lnSpc>
+              <a:spcBef>
+                <a:spcPct val="0"/>
+              </a:spcBef>
+              <a:buNone/>
+              <a:defRPr sz="6000" kern="1200">
+                <a:solidFill>
+                  <a:schemeClr val="tx1"/>
+                </a:solidFill>
+                <a:latin typeface="+mj-lt"/>
+                <a:ea typeface="+mj-ea"/>
+                <a:cs typeface="+mj-cs"/>
+              </a:defRPr>
+            </a:lvl1pPr>
+          </a:lstStyle>
+          <a:p>
+            <a:pPr marL="457200" indent="-457200" algn="l">
+              <a:buFont typeface="Arial" panose="020B0604020202020204" pitchFamily="34" charset="0"/>
+              <a:buChar char="•"/>
+            </a:pPr>
+            <a:r>
+              <a:rPr lang="en-US" altLang="zh-CN" sz="2800" dirty="0"/>
+              <a:t>St=1024</a:t>
+            </a:r>
+            <a:endParaRPr lang="zh-CN" altLang="en-US" sz="2800" dirty="0"/>
+          </a:p>
+        </p:txBody>
+      </p:sp>
+      <p:sp>
+        <p:nvSpPr>
+          <p:cNvPr id="8" name="标题 1">
+            <a:extLst>
+              <a:ext uri="{FF2B5EF4-FFF2-40B4-BE49-F238E27FC236}">
+                <a16:creationId xmlns:a16="http://schemas.microsoft.com/office/drawing/2014/main" id="{28EE3BBA-3FD4-49CC-B5A6-7B21F27E4010}"/>
+              </a:ext>
+            </a:extLst>
+          </p:cNvPr>
+          <p:cNvSpPr txBox="1">
+            <a:spLocks/>
+          </p:cNvSpPr>
+          <p:nvPr/>
+        </p:nvSpPr>
+        <p:spPr>
+          <a:xfrm>
+            <a:off x="9311777" y="130491"/>
+            <a:ext cx="2561440" cy="1256044"/>
+          </a:xfrm>
+          <a:prstGeom prst="rect">
+            <a:avLst/>
+          </a:prstGeom>
+        </p:spPr>
+        <p:txBody>
+          <a:bodyPr vert="horz" lIns="91440" tIns="45720" rIns="91440" bIns="45720" rtlCol="0" anchor="b">
+            <a:normAutofit/>
+          </a:bodyPr>
+          <a:lstStyle>
+            <a:lvl1pPr algn="ctr" defTabSz="914400" rtl="0" eaLnBrk="1" latinLnBrk="0" hangingPunct="1">
+              <a:lnSpc>
+                <a:spcPct val="90000"/>
+              </a:lnSpc>
+              <a:spcBef>
+                <a:spcPct val="0"/>
+              </a:spcBef>
+              <a:buNone/>
+              <a:defRPr sz="6000" kern="1200">
+                <a:solidFill>
+                  <a:schemeClr val="tx1"/>
+                </a:solidFill>
+                <a:latin typeface="+mj-lt"/>
+                <a:ea typeface="+mj-ea"/>
+                <a:cs typeface="+mj-cs"/>
+              </a:defRPr>
+            </a:lvl1pPr>
+          </a:lstStyle>
+          <a:p>
+            <a:pPr marL="457200" indent="-457200" algn="l">
+              <a:buFont typeface="Arial" panose="020B0604020202020204" pitchFamily="34" charset="0"/>
+              <a:buChar char="•"/>
+            </a:pPr>
+            <a:r>
+              <a:rPr lang="en-US" altLang="zh-CN" sz="2800" dirty="0" err="1"/>
+              <a:t>numJob</a:t>
+            </a:r>
+            <a:r>
+              <a:rPr lang="en-US" altLang="zh-CN" sz="2800" dirty="0"/>
+              <a:t>=4</a:t>
+            </a:r>
+          </a:p>
+          <a:p>
+            <a:pPr marL="457200" indent="-457200" algn="l">
+              <a:buFont typeface="Arial" panose="020B0604020202020204" pitchFamily="34" charset="0"/>
+              <a:buChar char="•"/>
+            </a:pPr>
+            <a:r>
+              <a:rPr lang="en-US" altLang="zh-CN" sz="2800" dirty="0" err="1"/>
+              <a:t>numHost</a:t>
+            </a:r>
+            <a:r>
+              <a:rPr lang="en-US" altLang="zh-CN" sz="2800" dirty="0"/>
+              <a:t>=4</a:t>
+            </a:r>
+          </a:p>
+          <a:p>
+            <a:pPr marL="457200" indent="-457200" algn="l">
+              <a:buFont typeface="Arial" panose="020B0604020202020204" pitchFamily="34" charset="0"/>
+              <a:buChar char="•"/>
+            </a:pPr>
+            <a:r>
+              <a:rPr lang="en-US" altLang="zh-CN" sz="2800" dirty="0" err="1"/>
+              <a:t>numCore</a:t>
+            </a:r>
+            <a:r>
+              <a:rPr lang="en-US" altLang="zh-CN" sz="2800" dirty="0"/>
+              <a:t>=2</a:t>
+            </a:r>
+            <a:endParaRPr lang="zh-CN" altLang="en-US" sz="2800" dirty="0"/>
+          </a:p>
+        </p:txBody>
+      </p:sp>
+      <p:graphicFrame>
+        <p:nvGraphicFramePr>
+          <p:cNvPr id="13" name="表格 12">
+            <a:extLst>
+              <a:ext uri="{FF2B5EF4-FFF2-40B4-BE49-F238E27FC236}">
+                <a16:creationId xmlns:a16="http://schemas.microsoft.com/office/drawing/2014/main" id="{60BDCAFA-8212-49CD-93C5-29F10694FCBA}"/>
+              </a:ext>
+            </a:extLst>
+          </p:cNvPr>
+          <p:cNvGraphicFramePr>
+            <a:graphicFrameLocks noGrp="1"/>
+          </p:cNvGraphicFramePr>
+          <p:nvPr/>
+        </p:nvGraphicFramePr>
+        <p:xfrm>
+          <a:off x="6096000" y="1415040"/>
+          <a:ext cx="5642070" cy="2768600"/>
+        </p:xfrm>
+        <a:graphic>
+          <a:graphicData uri="http://schemas.openxmlformats.org/drawingml/2006/table">
+            <a:tbl>
+              <a:tblPr firstRow="1" bandRow="1">
+                <a:tableStyleId>{5C22544A-7EE6-4342-B048-85BDC9FD1C3A}</a:tableStyleId>
+              </a:tblPr>
+              <a:tblGrid>
+                <a:gridCol w="535841">
+                  <a:extLst>
+                    <a:ext uri="{9D8B030D-6E8A-4147-A177-3AD203B41FA5}">
+                      <a16:colId xmlns:a16="http://schemas.microsoft.com/office/drawing/2014/main" val="4184140664"/>
+                    </a:ext>
+                  </a:extLst>
+                </a:gridCol>
+                <a:gridCol w="683375">
+                  <a:extLst>
+                    <a:ext uri="{9D8B030D-6E8A-4147-A177-3AD203B41FA5}">
+                      <a16:colId xmlns:a16="http://schemas.microsoft.com/office/drawing/2014/main" val="2864183225"/>
+                    </a:ext>
+                  </a:extLst>
+                </a:gridCol>
+                <a:gridCol w="2211427">
+                  <a:extLst>
+                    <a:ext uri="{9D8B030D-6E8A-4147-A177-3AD203B41FA5}">
+                      <a16:colId xmlns:a16="http://schemas.microsoft.com/office/drawing/2014/main" val="2678482924"/>
+                    </a:ext>
+                  </a:extLst>
+                </a:gridCol>
+                <a:gridCol w="2211427">
+                  <a:extLst>
+                    <a:ext uri="{9D8B030D-6E8A-4147-A177-3AD203B41FA5}">
+                      <a16:colId xmlns:a16="http://schemas.microsoft.com/office/drawing/2014/main" val="1237822867"/>
+                    </a:ext>
+                  </a:extLst>
+                </a:gridCol>
+              </a:tblGrid>
+              <a:tr h="370840">
+                <a:tc gridSpan="4">
+                  <a:txBody>
+                    <a:bodyPr/>
+                    <a:lstStyle/>
+                    <a:p>
+                      <a:pPr algn="ctr"/>
+                      <a:r>
+                        <a:rPr lang="en-US" altLang="zh-CN" dirty="0"/>
+                        <a:t>Job2  calcspeed=64  block number=4</a:t>
+                      </a:r>
+                      <a:endParaRPr lang="zh-CN" altLang="en-US" dirty="0"/>
+                    </a:p>
+                  </a:txBody>
+                  <a:tcPr anchor="ctr"/>
+                </a:tc>
+                <a:tc hMerge="1">
+                  <a:txBody>
+                    <a:bodyPr/>
+                    <a:lstStyle/>
+                    <a:p>
+                      <a:endParaRPr lang="zh-CN" altLang="en-US" dirty="0"/>
+                    </a:p>
+                  </a:txBody>
+                  <a:tcPr/>
+                </a:tc>
+                <a:tc hMerge="1">
+                  <a:txBody>
+                    <a:bodyPr/>
+                    <a:lstStyle/>
+                    <a:p>
+                      <a:endParaRPr lang="zh-CN" altLang="en-US" dirty="0"/>
+                    </a:p>
+                  </a:txBody>
+                  <a:tcPr/>
+                </a:tc>
+                <a:tc hMerge="1">
+                  <a:txBody>
+                    <a:bodyPr/>
+                    <a:lstStyle/>
+                    <a:p>
+                      <a:pPr algn="ctr"/>
+                      <a:endParaRPr lang="zh-CN" altLang="en-US" dirty="0"/>
+                    </a:p>
+                  </a:txBody>
+                  <a:tcPr anchor="ctr"/>
+                </a:tc>
+                <a:extLst>
+                  <a:ext uri="{0D108BD9-81ED-4DB2-BD59-A6C34878D82A}">
+                    <a16:rowId xmlns:a16="http://schemas.microsoft.com/office/drawing/2014/main" val="2560640880"/>
+                  </a:ext>
+                </a:extLst>
+              </a:tr>
+              <a:tr h="370840">
+                <a:tc>
+                  <a:txBody>
+                    <a:bodyPr/>
+                    <a:lstStyle/>
+                    <a:p>
+                      <a:pPr algn="ctr"/>
+                      <a:r>
+                        <a:rPr lang="en-US" altLang="zh-CN" dirty="0"/>
+                        <a:t>Block ID</a:t>
+                      </a:r>
+                      <a:endParaRPr lang="zh-CN" altLang="en-US" dirty="0"/>
+                    </a:p>
+                  </a:txBody>
+                  <a:tcPr anchor="ctr"/>
+                </a:tc>
+                <a:tc>
+                  <a:txBody>
+                    <a:bodyPr/>
+                    <a:lstStyle/>
+                    <a:p>
+                      <a:pPr algn="ctr"/>
+                      <a:r>
+                        <a:rPr lang="en-US" altLang="zh-CN" dirty="0"/>
+                        <a:t>Size</a:t>
+                      </a:r>
+                      <a:endParaRPr lang="zh-CN" altLang="en-US" dirty="0"/>
+                    </a:p>
+                  </a:txBody>
+                  <a:tcPr anchor="ctr"/>
+                </a:tc>
+                <a:tc>
+                  <a:txBody>
+                    <a:bodyPr/>
+                    <a:lstStyle/>
+                    <a:p>
+                      <a:pPr algn="ctr"/>
+                      <a:r>
+                        <a:rPr lang="en-US" altLang="zh-CN" dirty="0"/>
+                        <a:t>Initial location</a:t>
+                      </a:r>
+                      <a:endParaRPr lang="zh-CN" altLang="en-US" dirty="0"/>
+                    </a:p>
+                  </a:txBody>
+                  <a:tcPr anchor="ctr"/>
+                </a:tc>
+                <a:tc>
+                  <a:txBody>
+                    <a:bodyPr/>
+                    <a:lstStyle/>
+                    <a:p>
+                      <a:pPr marL="0" marR="0" lvl="0" indent="0" algn="ctr" defTabSz="914400" rtl="0" eaLnBrk="1" fontAlgn="auto" latinLnBrk="0" hangingPunct="1">
+                        <a:lnSpc>
+                          <a:spcPct val="100000"/>
+                        </a:lnSpc>
+                        <a:spcBef>
+                          <a:spcPts val="0"/>
+                        </a:spcBef>
+                        <a:spcAft>
+                          <a:spcPts val="0"/>
+                        </a:spcAft>
+                        <a:buClrTx/>
+                        <a:buSzTx/>
+                        <a:buFontTx/>
+                        <a:buNone/>
+                        <a:tabLst/>
+                        <a:defRPr/>
+                      </a:pPr>
+                      <a:r>
+                        <a:rPr lang="zh-CN" altLang="en-US" dirty="0"/>
+                        <a:t>单核时间</a:t>
+                      </a:r>
+                    </a:p>
+                  </a:txBody>
+                  <a:tcPr anchor="ctr"/>
+                </a:tc>
+                <a:extLst>
+                  <a:ext uri="{0D108BD9-81ED-4DB2-BD59-A6C34878D82A}">
+                    <a16:rowId xmlns:a16="http://schemas.microsoft.com/office/drawing/2014/main" val="1866039802"/>
+                  </a:ext>
+                </a:extLst>
+              </a:tr>
+              <a:tr h="370840">
+                <a:tc>
+                  <a:txBody>
+                    <a:bodyPr/>
+                    <a:lstStyle/>
+                    <a:p>
+                      <a:pPr algn="ctr"/>
+                      <a:r>
+                        <a:rPr lang="en-US" altLang="zh-CN" dirty="0"/>
+                        <a:t>0</a:t>
+                      </a:r>
+                      <a:endParaRPr lang="zh-CN" altLang="en-US" dirty="0"/>
+                    </a:p>
+                  </a:txBody>
+                  <a:tcPr anchor="ctr"/>
+                </a:tc>
+                <a:tc>
+                  <a:txBody>
+                    <a:bodyPr/>
+                    <a:lstStyle/>
+                    <a:p>
+                      <a:pPr algn="ctr"/>
+                      <a:r>
+                        <a:rPr lang="en-US" altLang="zh-CN" dirty="0"/>
+                        <a:t>512</a:t>
+                      </a:r>
+                      <a:endParaRPr lang="zh-CN" altLang="en-US" dirty="0"/>
+                    </a:p>
+                  </a:txBody>
+                  <a:tcPr anchor="ctr"/>
+                </a:tc>
+                <a:tc>
+                  <a:txBody>
+                    <a:bodyPr/>
+                    <a:lstStyle/>
+                    <a:p>
+                      <a:pPr algn="ctr"/>
+                      <a:r>
+                        <a:rPr lang="en-US" altLang="zh-CN" dirty="0"/>
+                        <a:t>1, 2</a:t>
+                      </a:r>
+                      <a:endParaRPr lang="zh-CN" altLang="en-US" dirty="0"/>
+                    </a:p>
+                  </a:txBody>
+                  <a:tcPr anchor="ctr"/>
+                </a:tc>
+                <a:tc>
+                  <a:txBody>
+                    <a:bodyPr/>
+                    <a:lstStyle/>
+                    <a:p>
+                      <a:pPr algn="ctr"/>
+                      <a:r>
+                        <a:rPr lang="en-US" altLang="zh-CN" dirty="0"/>
+                        <a:t>8</a:t>
+                      </a:r>
+                      <a:endParaRPr lang="zh-CN" altLang="en-US" dirty="0"/>
+                    </a:p>
+                  </a:txBody>
+                  <a:tcPr anchor="ctr"/>
+                </a:tc>
+                <a:extLst>
+                  <a:ext uri="{0D108BD9-81ED-4DB2-BD59-A6C34878D82A}">
+                    <a16:rowId xmlns:a16="http://schemas.microsoft.com/office/drawing/2014/main" val="702594086"/>
+                  </a:ext>
+                </a:extLst>
+              </a:tr>
+              <a:tr h="370840">
+                <a:tc>
+                  <a:txBody>
+                    <a:bodyPr/>
+                    <a:lstStyle/>
+                    <a:p>
+                      <a:pPr algn="ctr"/>
+                      <a:r>
+                        <a:rPr lang="en-US" altLang="zh-CN" dirty="0"/>
+                        <a:t>1</a:t>
+                      </a:r>
+                      <a:endParaRPr lang="zh-CN" altLang="en-US" dirty="0"/>
+                    </a:p>
+                  </a:txBody>
+                  <a:tcPr anchor="ctr"/>
+                </a:tc>
+                <a:tc>
+                  <a:txBody>
+                    <a:bodyPr/>
+                    <a:lstStyle/>
+                    <a:p>
+                      <a:pPr algn="ctr"/>
+                      <a:r>
+                        <a:rPr lang="en-US" altLang="zh-CN" dirty="0"/>
+                        <a:t>512</a:t>
+                      </a:r>
+                      <a:endParaRPr lang="zh-CN" altLang="en-US" dirty="0"/>
+                    </a:p>
+                  </a:txBody>
+                  <a:tcPr anchor="ctr"/>
+                </a:tc>
+                <a:tc>
+                  <a:txBody>
+                    <a:bodyPr/>
+                    <a:lstStyle/>
+                    <a:p>
+                      <a:pPr algn="ctr"/>
+                      <a:r>
+                        <a:rPr lang="en-US" altLang="zh-CN" dirty="0"/>
+                        <a:t>1, 2</a:t>
+                      </a:r>
+                      <a:endParaRPr lang="zh-CN" altLang="en-US" dirty="0"/>
+                    </a:p>
+                  </a:txBody>
+                  <a:tcPr anchor="ctr"/>
+                </a:tc>
+                <a:tc>
+                  <a:txBody>
+                    <a:bodyPr/>
+                    <a:lstStyle/>
+                    <a:p>
+                      <a:pPr algn="ctr"/>
+                      <a:r>
+                        <a:rPr lang="en-US" altLang="zh-CN" dirty="0"/>
+                        <a:t>8</a:t>
+                      </a:r>
+                      <a:endParaRPr lang="zh-CN" altLang="en-US" dirty="0"/>
+                    </a:p>
+                  </a:txBody>
+                  <a:tcPr anchor="ctr"/>
+                </a:tc>
+                <a:extLst>
+                  <a:ext uri="{0D108BD9-81ED-4DB2-BD59-A6C34878D82A}">
+                    <a16:rowId xmlns:a16="http://schemas.microsoft.com/office/drawing/2014/main" val="833841873"/>
+                  </a:ext>
+                </a:extLst>
+              </a:tr>
+              <a:tr h="370840">
+                <a:tc>
+                  <a:txBody>
+                    <a:bodyPr/>
+                    <a:lstStyle/>
+                    <a:p>
+                      <a:pPr algn="ctr"/>
+                      <a:r>
+                        <a:rPr lang="en-US" altLang="zh-CN" dirty="0"/>
+                        <a:t>2</a:t>
+                      </a:r>
+                      <a:endParaRPr lang="zh-CN" altLang="en-US" dirty="0"/>
+                    </a:p>
+                  </a:txBody>
+                  <a:tcPr anchor="ctr"/>
+                </a:tc>
+                <a:tc>
+                  <a:txBody>
+                    <a:bodyPr/>
+                    <a:lstStyle/>
+                    <a:p>
+                      <a:pPr algn="ctr"/>
+                      <a:r>
+                        <a:rPr lang="en-US" altLang="zh-CN" dirty="0"/>
+                        <a:t>2048</a:t>
+                      </a:r>
+                      <a:endParaRPr lang="zh-CN" altLang="en-US" dirty="0"/>
+                    </a:p>
+                  </a:txBody>
+                  <a:tcPr anchor="ctr"/>
+                </a:tc>
+                <a:tc>
+                  <a:txBody>
+                    <a:bodyPr/>
+                    <a:lstStyle/>
+                    <a:p>
+                      <a:pPr algn="ctr"/>
+                      <a:r>
+                        <a:rPr lang="en-US" altLang="zh-CN" dirty="0"/>
+                        <a:t>1, 2</a:t>
+                      </a:r>
+                      <a:endParaRPr lang="zh-CN" altLang="en-US" dirty="0"/>
+                    </a:p>
+                  </a:txBody>
+                  <a:tcPr anchor="ctr"/>
+                </a:tc>
+                <a:tc>
+                  <a:txBody>
+                    <a:bodyPr/>
+                    <a:lstStyle/>
+                    <a:p>
+                      <a:pPr algn="ctr"/>
+                      <a:r>
+                        <a:rPr lang="en-US" altLang="zh-CN" dirty="0"/>
+                        <a:t>32</a:t>
+                      </a:r>
+                      <a:endParaRPr lang="zh-CN" altLang="en-US" dirty="0"/>
+                    </a:p>
+                  </a:txBody>
+                  <a:tcPr anchor="ctr"/>
+                </a:tc>
+                <a:extLst>
+                  <a:ext uri="{0D108BD9-81ED-4DB2-BD59-A6C34878D82A}">
+                    <a16:rowId xmlns:a16="http://schemas.microsoft.com/office/drawing/2014/main" val="2039409488"/>
+                  </a:ext>
+                </a:extLst>
+              </a:tr>
+              <a:tr h="370840">
+                <a:tc>
+                  <a:txBody>
+                    <a:bodyPr/>
+                    <a:lstStyle/>
+                    <a:p>
+                      <a:pPr algn="ctr"/>
+                      <a:r>
+                        <a:rPr lang="en-US" altLang="zh-CN" dirty="0"/>
+                        <a:t>3</a:t>
+                      </a:r>
+                      <a:endParaRPr lang="zh-CN" altLang="en-US" dirty="0"/>
+                    </a:p>
+                  </a:txBody>
+                  <a:tcPr anchor="ctr"/>
+                </a:tc>
+                <a:tc>
+                  <a:txBody>
+                    <a:bodyPr/>
+                    <a:lstStyle/>
+                    <a:p>
+                      <a:pPr algn="ctr"/>
+                      <a:r>
+                        <a:rPr lang="en-US" altLang="zh-CN" dirty="0"/>
+                        <a:t>2048</a:t>
+                      </a:r>
+                      <a:endParaRPr lang="zh-CN" altLang="en-US" dirty="0"/>
+                    </a:p>
+                  </a:txBody>
+                  <a:tcPr anchor="ctr"/>
+                </a:tc>
+                <a:tc>
+                  <a:txBody>
+                    <a:bodyPr/>
+                    <a:lstStyle/>
+                    <a:p>
+                      <a:pPr algn="ctr"/>
+                      <a:r>
+                        <a:rPr lang="en-US" altLang="zh-CN" dirty="0"/>
+                        <a:t>1, 2</a:t>
+                      </a:r>
+                      <a:endParaRPr lang="zh-CN" altLang="en-US" dirty="0"/>
+                    </a:p>
+                  </a:txBody>
+                  <a:tcPr anchor="ctr"/>
+                </a:tc>
+                <a:tc>
+                  <a:txBody>
+                    <a:bodyPr/>
+                    <a:lstStyle/>
+                    <a:p>
+                      <a:pPr algn="ctr"/>
+                      <a:r>
+                        <a:rPr lang="en-US" altLang="zh-CN" dirty="0"/>
+                        <a:t>32</a:t>
+                      </a:r>
+                      <a:endParaRPr lang="zh-CN" altLang="en-US" dirty="0"/>
+                    </a:p>
+                  </a:txBody>
+                  <a:tcPr anchor="ctr"/>
+                </a:tc>
+                <a:extLst>
+                  <a:ext uri="{0D108BD9-81ED-4DB2-BD59-A6C34878D82A}">
+                    <a16:rowId xmlns:a16="http://schemas.microsoft.com/office/drawing/2014/main" val="1579157760"/>
+                  </a:ext>
+                </a:extLst>
+              </a:tr>
+            </a:tbl>
+          </a:graphicData>
+        </a:graphic>
+      </p:graphicFrame>
+      <p:graphicFrame>
+        <p:nvGraphicFramePr>
+          <p:cNvPr id="14" name="表格 13">
+            <a:extLst>
+              <a:ext uri="{FF2B5EF4-FFF2-40B4-BE49-F238E27FC236}">
+                <a16:creationId xmlns:a16="http://schemas.microsoft.com/office/drawing/2014/main" id="{9AEE47CA-A584-4D74-8C9F-E5D5AD209C03}"/>
+              </a:ext>
+            </a:extLst>
+          </p:cNvPr>
+          <p:cNvGraphicFramePr>
+            <a:graphicFrameLocks noGrp="1"/>
+          </p:cNvGraphicFramePr>
+          <p:nvPr/>
+        </p:nvGraphicFramePr>
+        <p:xfrm>
+          <a:off x="6096000" y="4306218"/>
+          <a:ext cx="5642070" cy="2397760"/>
+        </p:xfrm>
+        <a:graphic>
+          <a:graphicData uri="http://schemas.openxmlformats.org/drawingml/2006/table">
+            <a:tbl>
+              <a:tblPr firstRow="1" bandRow="1">
+                <a:tableStyleId>{5C22544A-7EE6-4342-B048-85BDC9FD1C3A}</a:tableStyleId>
+              </a:tblPr>
+              <a:tblGrid>
+                <a:gridCol w="535841">
+                  <a:extLst>
+                    <a:ext uri="{9D8B030D-6E8A-4147-A177-3AD203B41FA5}">
+                      <a16:colId xmlns:a16="http://schemas.microsoft.com/office/drawing/2014/main" val="4184140664"/>
+                    </a:ext>
+                  </a:extLst>
+                </a:gridCol>
+                <a:gridCol w="683375">
+                  <a:extLst>
+                    <a:ext uri="{9D8B030D-6E8A-4147-A177-3AD203B41FA5}">
+                      <a16:colId xmlns:a16="http://schemas.microsoft.com/office/drawing/2014/main" val="2864183225"/>
+                    </a:ext>
+                  </a:extLst>
+                </a:gridCol>
+                <a:gridCol w="2211427">
+                  <a:extLst>
+                    <a:ext uri="{9D8B030D-6E8A-4147-A177-3AD203B41FA5}">
+                      <a16:colId xmlns:a16="http://schemas.microsoft.com/office/drawing/2014/main" val="2678482924"/>
+                    </a:ext>
+                  </a:extLst>
+                </a:gridCol>
+                <a:gridCol w="2211427">
+                  <a:extLst>
+                    <a:ext uri="{9D8B030D-6E8A-4147-A177-3AD203B41FA5}">
+                      <a16:colId xmlns:a16="http://schemas.microsoft.com/office/drawing/2014/main" val="1807808451"/>
+                    </a:ext>
+                  </a:extLst>
+                </a:gridCol>
+              </a:tblGrid>
+              <a:tr h="370840">
+                <a:tc gridSpan="4">
+                  <a:txBody>
+                    <a:bodyPr/>
+                    <a:lstStyle/>
+                    <a:p>
+                      <a:pPr algn="ctr"/>
+                      <a:r>
+                        <a:rPr lang="en-US" altLang="zh-CN" dirty="0"/>
+                        <a:t>Job3  calcspeed=1000  block number=3</a:t>
+                      </a:r>
+                      <a:endParaRPr lang="zh-CN" altLang="en-US" dirty="0"/>
+                    </a:p>
+                  </a:txBody>
+                  <a:tcPr anchor="ctr"/>
+                </a:tc>
+                <a:tc hMerge="1">
+                  <a:txBody>
+                    <a:bodyPr/>
+                    <a:lstStyle/>
+                    <a:p>
+                      <a:endParaRPr lang="zh-CN" altLang="en-US" dirty="0"/>
+                    </a:p>
+                  </a:txBody>
+                  <a:tcPr/>
+                </a:tc>
+                <a:tc hMerge="1">
+                  <a:txBody>
+                    <a:bodyPr/>
+                    <a:lstStyle/>
+                    <a:p>
+                      <a:endParaRPr lang="zh-CN" altLang="en-US" dirty="0"/>
+                    </a:p>
+                  </a:txBody>
+                  <a:tcPr/>
+                </a:tc>
+                <a:tc hMerge="1">
+                  <a:txBody>
+                    <a:bodyPr/>
+                    <a:lstStyle/>
+                    <a:p>
+                      <a:pPr algn="ctr"/>
+                      <a:endParaRPr lang="zh-CN" altLang="en-US" dirty="0"/>
+                    </a:p>
+                  </a:txBody>
+                  <a:tcPr anchor="ctr"/>
+                </a:tc>
+                <a:extLst>
+                  <a:ext uri="{0D108BD9-81ED-4DB2-BD59-A6C34878D82A}">
+                    <a16:rowId xmlns:a16="http://schemas.microsoft.com/office/drawing/2014/main" val="2560640880"/>
+                  </a:ext>
+                </a:extLst>
+              </a:tr>
+              <a:tr h="370840">
+                <a:tc>
+                  <a:txBody>
+                    <a:bodyPr/>
+                    <a:lstStyle/>
+                    <a:p>
+                      <a:pPr algn="ctr"/>
+                      <a:r>
+                        <a:rPr lang="en-US" altLang="zh-CN" dirty="0"/>
+                        <a:t>Block ID</a:t>
+                      </a:r>
+                      <a:endParaRPr lang="zh-CN" altLang="en-US" dirty="0"/>
+                    </a:p>
+                  </a:txBody>
+                  <a:tcPr anchor="ctr"/>
+                </a:tc>
+                <a:tc>
+                  <a:txBody>
+                    <a:bodyPr/>
+                    <a:lstStyle/>
+                    <a:p>
+                      <a:pPr algn="ctr"/>
+                      <a:r>
+                        <a:rPr lang="en-US" altLang="zh-CN" dirty="0"/>
+                        <a:t>Size</a:t>
+                      </a:r>
+                      <a:endParaRPr lang="zh-CN" altLang="en-US" dirty="0"/>
+                    </a:p>
+                  </a:txBody>
+                  <a:tcPr anchor="ctr"/>
+                </a:tc>
+                <a:tc>
+                  <a:txBody>
+                    <a:bodyPr/>
+                    <a:lstStyle/>
+                    <a:p>
+                      <a:pPr algn="ctr"/>
+                      <a:r>
+                        <a:rPr lang="en-US" altLang="zh-CN" dirty="0"/>
+                        <a:t>Initial location</a:t>
+                      </a:r>
+                      <a:endParaRPr lang="zh-CN" altLang="en-US" dirty="0"/>
+                    </a:p>
+                  </a:txBody>
+                  <a:tcPr anchor="ctr"/>
+                </a:tc>
+                <a:tc>
+                  <a:txBody>
+                    <a:bodyPr/>
+                    <a:lstStyle/>
+                    <a:p>
+                      <a:pPr algn="ctr"/>
+                      <a:r>
+                        <a:rPr lang="zh-CN" altLang="en-US" dirty="0"/>
+                        <a:t>单核时间</a:t>
+                      </a:r>
+                    </a:p>
+                  </a:txBody>
+                  <a:tcPr anchor="ctr"/>
+                </a:tc>
+                <a:extLst>
+                  <a:ext uri="{0D108BD9-81ED-4DB2-BD59-A6C34878D82A}">
+                    <a16:rowId xmlns:a16="http://schemas.microsoft.com/office/drawing/2014/main" val="1866039802"/>
+                  </a:ext>
+                </a:extLst>
+              </a:tr>
+              <a:tr h="370840">
+                <a:tc>
+                  <a:txBody>
+                    <a:bodyPr/>
+                    <a:lstStyle/>
+                    <a:p>
+                      <a:pPr algn="ctr"/>
+                      <a:r>
+                        <a:rPr lang="en-US" altLang="zh-CN" dirty="0"/>
+                        <a:t>0</a:t>
+                      </a:r>
+                      <a:endParaRPr lang="zh-CN" altLang="en-US" dirty="0"/>
+                    </a:p>
+                  </a:txBody>
+                  <a:tcPr anchor="ctr"/>
+                </a:tc>
+                <a:tc>
+                  <a:txBody>
+                    <a:bodyPr/>
+                    <a:lstStyle/>
+                    <a:p>
+                      <a:pPr algn="ctr"/>
+                      <a:r>
+                        <a:rPr lang="en-US" altLang="zh-CN" dirty="0"/>
+                        <a:t>50k</a:t>
+                      </a:r>
+                      <a:endParaRPr lang="zh-CN" altLang="en-US" dirty="0"/>
+                    </a:p>
+                  </a:txBody>
+                  <a:tcPr anchor="ctr"/>
+                </a:tc>
+                <a:tc>
+                  <a:txBody>
+                    <a:bodyPr/>
+                    <a:lstStyle/>
+                    <a:p>
+                      <a:pPr algn="ctr"/>
+                      <a:r>
+                        <a:rPr lang="en-US" altLang="zh-CN" dirty="0"/>
+                        <a:t>1,</a:t>
+                      </a:r>
+                      <a:r>
+                        <a:rPr lang="zh-CN" altLang="en-US" dirty="0"/>
+                        <a:t> </a:t>
+                      </a:r>
+                      <a:r>
+                        <a:rPr lang="en-US" altLang="zh-CN" dirty="0"/>
+                        <a:t>3</a:t>
+                      </a:r>
+                      <a:endParaRPr lang="zh-CN" altLang="en-US" dirty="0"/>
+                    </a:p>
+                  </a:txBody>
+                  <a:tcPr anchor="ctr"/>
+                </a:tc>
+                <a:tc>
+                  <a:txBody>
+                    <a:bodyPr/>
+                    <a:lstStyle/>
+                    <a:p>
+                      <a:pPr algn="ctr"/>
+                      <a:r>
+                        <a:rPr lang="en-US" altLang="zh-CN" dirty="0"/>
+                        <a:t>50</a:t>
+                      </a:r>
+                      <a:endParaRPr lang="zh-CN" altLang="en-US" dirty="0"/>
+                    </a:p>
+                  </a:txBody>
+                  <a:tcPr anchor="ctr"/>
+                </a:tc>
+                <a:extLst>
+                  <a:ext uri="{0D108BD9-81ED-4DB2-BD59-A6C34878D82A}">
+                    <a16:rowId xmlns:a16="http://schemas.microsoft.com/office/drawing/2014/main" val="702594086"/>
+                  </a:ext>
+                </a:extLst>
+              </a:tr>
+              <a:tr h="370840">
+                <a:tc>
+                  <a:txBody>
+                    <a:bodyPr/>
+                    <a:lstStyle/>
+                    <a:p>
+                      <a:pPr algn="ctr"/>
+                      <a:r>
+                        <a:rPr lang="en-US" altLang="zh-CN" dirty="0"/>
+                        <a:t>1</a:t>
+                      </a:r>
+                      <a:endParaRPr lang="zh-CN" altLang="en-US" dirty="0"/>
+                    </a:p>
+                  </a:txBody>
+                  <a:tcPr anchor="ctr"/>
+                </a:tc>
+                <a:tc>
+                  <a:txBody>
+                    <a:bodyPr/>
+                    <a:lstStyle/>
+                    <a:p>
+                      <a:pPr algn="ctr"/>
+                      <a:r>
+                        <a:rPr lang="en-US" altLang="zh-CN" dirty="0"/>
+                        <a:t>100k</a:t>
+                      </a:r>
+                      <a:endParaRPr lang="zh-CN" altLang="en-US" dirty="0"/>
+                    </a:p>
+                  </a:txBody>
+                  <a:tcPr anchor="ctr"/>
+                </a:tc>
+                <a:tc>
+                  <a:txBody>
+                    <a:bodyPr/>
+                    <a:lstStyle/>
+                    <a:p>
+                      <a:pPr algn="ctr"/>
+                      <a:r>
+                        <a:rPr lang="en-US" altLang="zh-CN" dirty="0"/>
+                        <a:t>1, 3</a:t>
+                      </a:r>
+                      <a:endParaRPr lang="zh-CN" altLang="en-US" dirty="0"/>
+                    </a:p>
+                  </a:txBody>
+                  <a:tcPr anchor="ctr"/>
+                </a:tc>
+                <a:tc>
+                  <a:txBody>
+                    <a:bodyPr/>
+                    <a:lstStyle/>
+                    <a:p>
+                      <a:pPr algn="ctr"/>
+                      <a:r>
+                        <a:rPr lang="en-US" altLang="zh-CN" dirty="0"/>
+                        <a:t>100</a:t>
+                      </a:r>
+                      <a:endParaRPr lang="zh-CN" altLang="en-US" dirty="0"/>
+                    </a:p>
+                  </a:txBody>
+                  <a:tcPr anchor="ctr"/>
+                </a:tc>
+                <a:extLst>
+                  <a:ext uri="{0D108BD9-81ED-4DB2-BD59-A6C34878D82A}">
+                    <a16:rowId xmlns:a16="http://schemas.microsoft.com/office/drawing/2014/main" val="833841873"/>
+                  </a:ext>
+                </a:extLst>
+              </a:tr>
+              <a:tr h="370840">
+                <a:tc>
+                  <a:txBody>
+                    <a:bodyPr/>
+                    <a:lstStyle/>
+                    <a:p>
+                      <a:pPr algn="ctr"/>
+                      <a:r>
+                        <a:rPr lang="en-US" altLang="zh-CN" dirty="0"/>
+                        <a:t>2</a:t>
+                      </a:r>
+                      <a:endParaRPr lang="zh-CN" altLang="en-US" dirty="0"/>
+                    </a:p>
+                  </a:txBody>
+                  <a:tcPr anchor="ctr"/>
+                </a:tc>
+                <a:tc>
+                  <a:txBody>
+                    <a:bodyPr/>
+                    <a:lstStyle/>
+                    <a:p>
+                      <a:pPr algn="ctr"/>
+                      <a:r>
+                        <a:rPr lang="en-US" altLang="zh-CN" dirty="0"/>
+                        <a:t>500k</a:t>
+                      </a:r>
+                      <a:endParaRPr lang="zh-CN" altLang="en-US" dirty="0"/>
+                    </a:p>
+                  </a:txBody>
+                  <a:tcPr anchor="ctr"/>
+                </a:tc>
+                <a:tc>
+                  <a:txBody>
+                    <a:bodyPr/>
+                    <a:lstStyle/>
+                    <a:p>
+                      <a:pPr algn="ctr"/>
+                      <a:r>
+                        <a:rPr lang="en-US" altLang="zh-CN" dirty="0"/>
+                        <a:t>1, 3</a:t>
+                      </a:r>
+                      <a:endParaRPr lang="zh-CN" altLang="en-US" dirty="0"/>
+                    </a:p>
+                  </a:txBody>
+                  <a:tcPr anchor="ctr"/>
+                </a:tc>
+                <a:tc>
+                  <a:txBody>
+                    <a:bodyPr/>
+                    <a:lstStyle/>
+                    <a:p>
+                      <a:pPr algn="ctr"/>
+                      <a:r>
+                        <a:rPr lang="en-US" altLang="zh-CN" dirty="0"/>
+                        <a:t>500</a:t>
+                      </a:r>
+                      <a:endParaRPr lang="zh-CN" altLang="en-US" dirty="0"/>
+                    </a:p>
+                  </a:txBody>
+                  <a:tcPr anchor="ctr"/>
+                </a:tc>
+                <a:extLst>
+                  <a:ext uri="{0D108BD9-81ED-4DB2-BD59-A6C34878D82A}">
+                    <a16:rowId xmlns:a16="http://schemas.microsoft.com/office/drawing/2014/main" val="1278777215"/>
+                  </a:ext>
+                </a:extLst>
+              </a:tr>
+            </a:tbl>
+          </a:graphicData>
+        </a:graphic>
+      </p:graphicFrame>
+    </p:spTree>
+    <p:extLst>
+      <p:ext uri="{BB962C8B-B14F-4D97-AF65-F5344CB8AC3E}">
+        <p14:creationId xmlns:p14="http://schemas.microsoft.com/office/powerpoint/2010/main" val="2616376921"/>
+      </p:ext>
+    </p:extLst>
+  </p:cSld>
+  <p:clrMapOvr>
+    <a:masterClrMapping/>
+  </p:clrMapOvr>
+</p:sld>
+</file>
+
 <file path=ppt/theme/theme1.xml><?xml version="1.0" encoding="utf-8"?>
 <a:theme xmlns:a="http://schemas.openxmlformats.org/drawingml/2006/main" name="Office 主题​​">
   <a:themeElements>
